--- a/What Changes in Life expectancy reveals about US.pptx
+++ b/What Changes in Life expectancy reveals about US.pptx
@@ -123,6 +123,190 @@
 </p:presentation>
 </file>
 
+<file path=ppt/changesInfos/changesInfo1.xml><?xml version="1.0" encoding="utf-8"?>
+<pc:chgInfo xmlns:a="http://schemas.openxmlformats.org/drawingml/2006/main" xmlns:r="http://schemas.openxmlformats.org/officeDocument/2006/relationships" xmlns:ac="http://schemas.microsoft.com/office/drawing/2013/main/command" xmlns:pc="http://schemas.microsoft.com/office/powerpoint/2013/main/command">
+  <pc:docChgLst>
+    <pc:chgData name="Wen Su" userId="ced03223-343c-463d-97b1-feaf48328fc7" providerId="ADAL" clId="{F8C60887-CAAD-CE4E-9F11-F50D1CCDEE61}"/>
+    <pc:docChg chg="undo custSel modSld">
+      <pc:chgData name="Wen Su" userId="ced03223-343c-463d-97b1-feaf48328fc7" providerId="ADAL" clId="{F8C60887-CAAD-CE4E-9F11-F50D1CCDEE61}" dt="2022-10-10T10:56:10.872" v="128" actId="20577"/>
+      <pc:docMkLst>
+        <pc:docMk/>
+      </pc:docMkLst>
+      <pc:sldChg chg="addSp delSp modSp">
+        <pc:chgData name="Wen Su" userId="ced03223-343c-463d-97b1-feaf48328fc7" providerId="ADAL" clId="{F8C60887-CAAD-CE4E-9F11-F50D1CCDEE61}" dt="2022-10-10T10:56:10.872" v="128" actId="20577"/>
+        <pc:sldMkLst>
+          <pc:docMk/>
+          <pc:sldMk cId="2506573449" sldId="256"/>
+        </pc:sldMkLst>
+        <pc:spChg chg="mod">
+          <ac:chgData name="Wen Su" userId="ced03223-343c-463d-97b1-feaf48328fc7" providerId="ADAL" clId="{F8C60887-CAAD-CE4E-9F11-F50D1CCDEE61}" dt="2022-10-10T10:56:10.872" v="128" actId="20577"/>
+          <ac:spMkLst>
+            <pc:docMk/>
+            <pc:sldMk cId="2506573449" sldId="256"/>
+            <ac:spMk id="2" creationId="{00000000-0000-0000-0000-000000000000}"/>
+          </ac:spMkLst>
+        </pc:spChg>
+        <pc:inkChg chg="add del">
+          <ac:chgData name="Wen Su" userId="ced03223-343c-463d-97b1-feaf48328fc7" providerId="ADAL" clId="{F8C60887-CAAD-CE4E-9F11-F50D1CCDEE61}" dt="2022-10-10T10:54:25.660" v="115"/>
+          <ac:inkMkLst>
+            <pc:docMk/>
+            <pc:sldMk cId="2506573449" sldId="256"/>
+            <ac:inkMk id="5" creationId="{4D719AF8-9E54-0427-FB05-780B4BC4507B}"/>
+          </ac:inkMkLst>
+        </pc:inkChg>
+      </pc:sldChg>
+      <pc:sldChg chg="modSp">
+        <pc:chgData name="Wen Su" userId="ced03223-343c-463d-97b1-feaf48328fc7" providerId="ADAL" clId="{F8C60887-CAAD-CE4E-9F11-F50D1CCDEE61}" dt="2022-10-10T10:50:35.422" v="102" actId="20577"/>
+        <pc:sldMkLst>
+          <pc:docMk/>
+          <pc:sldMk cId="1646017601" sldId="257"/>
+        </pc:sldMkLst>
+        <pc:spChg chg="mod">
+          <ac:chgData name="Wen Su" userId="ced03223-343c-463d-97b1-feaf48328fc7" providerId="ADAL" clId="{F8C60887-CAAD-CE4E-9F11-F50D1CCDEE61}" dt="2022-10-10T10:50:35.422" v="102" actId="20577"/>
+          <ac:spMkLst>
+            <pc:docMk/>
+            <pc:sldMk cId="1646017601" sldId="257"/>
+            <ac:spMk id="5" creationId="{00000000-0000-0000-0000-000000000000}"/>
+          </ac:spMkLst>
+        </pc:spChg>
+        <pc:spChg chg="mod">
+          <ac:chgData name="Wen Su" userId="ced03223-343c-463d-97b1-feaf48328fc7" providerId="ADAL" clId="{F8C60887-CAAD-CE4E-9F11-F50D1CCDEE61}" dt="2022-10-10T10:38:53.673" v="3" actId="20577"/>
+          <ac:spMkLst>
+            <pc:docMk/>
+            <pc:sldMk cId="1646017601" sldId="257"/>
+            <ac:spMk id="14" creationId="{00000000-0000-0000-0000-000000000000}"/>
+          </ac:spMkLst>
+        </pc:spChg>
+      </pc:sldChg>
+      <pc:sldChg chg="modSp">
+        <pc:chgData name="Wen Su" userId="ced03223-343c-463d-97b1-feaf48328fc7" providerId="ADAL" clId="{F8C60887-CAAD-CE4E-9F11-F50D1CCDEE61}" dt="2022-10-10T10:49:46.914" v="89" actId="1076"/>
+        <pc:sldMkLst>
+          <pc:docMk/>
+          <pc:sldMk cId="3252561516" sldId="258"/>
+        </pc:sldMkLst>
+        <pc:spChg chg="mod">
+          <ac:chgData name="Wen Su" userId="ced03223-343c-463d-97b1-feaf48328fc7" providerId="ADAL" clId="{F8C60887-CAAD-CE4E-9F11-F50D1CCDEE61}" dt="2022-10-10T10:49:46.914" v="89" actId="1076"/>
+          <ac:spMkLst>
+            <pc:docMk/>
+            <pc:sldMk cId="3252561516" sldId="258"/>
+            <ac:spMk id="2" creationId="{00000000-0000-0000-0000-000000000000}"/>
+          </ac:spMkLst>
+        </pc:spChg>
+      </pc:sldChg>
+      <pc:sldChg chg="addSp delSp modSp modNotesTx">
+        <pc:chgData name="Wen Su" userId="ced03223-343c-463d-97b1-feaf48328fc7" providerId="ADAL" clId="{F8C60887-CAAD-CE4E-9F11-F50D1CCDEE61}" dt="2022-10-10T10:53:36.145" v="113" actId="208"/>
+        <pc:sldMkLst>
+          <pc:docMk/>
+          <pc:sldMk cId="543375641" sldId="260"/>
+        </pc:sldMkLst>
+        <pc:spChg chg="add mod">
+          <ac:chgData name="Wen Su" userId="ced03223-343c-463d-97b1-feaf48328fc7" providerId="ADAL" clId="{F8C60887-CAAD-CE4E-9F11-F50D1CCDEE61}" dt="2022-10-10T10:53:36.145" v="113" actId="208"/>
+          <ac:spMkLst>
+            <pc:docMk/>
+            <pc:sldMk cId="543375641" sldId="260"/>
+            <ac:spMk id="3" creationId="{27D3CB95-170C-B5BB-52BA-C0958FB6DAC1}"/>
+          </ac:spMkLst>
+        </pc:spChg>
+        <pc:spChg chg="mod">
+          <ac:chgData name="Wen Su" userId="ced03223-343c-463d-97b1-feaf48328fc7" providerId="ADAL" clId="{F8C60887-CAAD-CE4E-9F11-F50D1CCDEE61}" dt="2022-10-10T10:53:08.523" v="108" actId="1076"/>
+          <ac:spMkLst>
+            <pc:docMk/>
+            <pc:sldMk cId="543375641" sldId="260"/>
+            <ac:spMk id="5" creationId="{00000000-0000-0000-0000-000000000000}"/>
+          </ac:spMkLst>
+        </pc:spChg>
+        <pc:spChg chg="mod">
+          <ac:chgData name="Wen Su" userId="ced03223-343c-463d-97b1-feaf48328fc7" providerId="ADAL" clId="{F8C60887-CAAD-CE4E-9F11-F50D1CCDEE61}" dt="2022-10-10T10:52:02.445" v="104" actId="1076"/>
+          <ac:spMkLst>
+            <pc:docMk/>
+            <pc:sldMk cId="543375641" sldId="260"/>
+            <ac:spMk id="6" creationId="{00000000-0000-0000-0000-000000000000}"/>
+          </ac:spMkLst>
+        </pc:spChg>
+        <pc:spChg chg="mod">
+          <ac:chgData name="Wen Su" userId="ced03223-343c-463d-97b1-feaf48328fc7" providerId="ADAL" clId="{F8C60887-CAAD-CE4E-9F11-F50D1CCDEE61}" dt="2022-10-10T10:52:07.304" v="105" actId="1076"/>
+          <ac:spMkLst>
+            <pc:docMk/>
+            <pc:sldMk cId="543375641" sldId="260"/>
+            <ac:spMk id="18" creationId="{00000000-0000-0000-0000-000000000000}"/>
+          </ac:spMkLst>
+        </pc:spChg>
+        <pc:spChg chg="mod">
+          <ac:chgData name="Wen Su" userId="ced03223-343c-463d-97b1-feaf48328fc7" providerId="ADAL" clId="{F8C60887-CAAD-CE4E-9F11-F50D1CCDEE61}" dt="2022-10-10T10:52:17.136" v="107" actId="1076"/>
+          <ac:spMkLst>
+            <pc:docMk/>
+            <pc:sldMk cId="543375641" sldId="260"/>
+            <ac:spMk id="19" creationId="{00000000-0000-0000-0000-000000000000}"/>
+          </ac:spMkLst>
+        </pc:spChg>
+        <pc:inkChg chg="add del">
+          <ac:chgData name="Wen Su" userId="ced03223-343c-463d-97b1-feaf48328fc7" providerId="ADAL" clId="{F8C60887-CAAD-CE4E-9F11-F50D1CCDEE61}" dt="2022-10-10T10:40:28.622" v="9"/>
+          <ac:inkMkLst>
+            <pc:docMk/>
+            <pc:sldMk cId="543375641" sldId="260"/>
+            <ac:inkMk id="2" creationId="{F97691B0-07C9-C465-F564-B198B0C80C76}"/>
+          </ac:inkMkLst>
+        </pc:inkChg>
+      </pc:sldChg>
+      <pc:sldChg chg="modSp">
+        <pc:chgData name="Wen Su" userId="ced03223-343c-463d-97b1-feaf48328fc7" providerId="ADAL" clId="{F8C60887-CAAD-CE4E-9F11-F50D1CCDEE61}" dt="2022-10-10T10:46:43.926" v="79" actId="1076"/>
+        <pc:sldMkLst>
+          <pc:docMk/>
+          <pc:sldMk cId="2860925531" sldId="261"/>
+        </pc:sldMkLst>
+        <pc:spChg chg="mod">
+          <ac:chgData name="Wen Su" userId="ced03223-343c-463d-97b1-feaf48328fc7" providerId="ADAL" clId="{F8C60887-CAAD-CE4E-9F11-F50D1CCDEE61}" dt="2022-10-10T10:46:32.914" v="77" actId="1076"/>
+          <ac:spMkLst>
+            <pc:docMk/>
+            <pc:sldMk cId="2860925531" sldId="261"/>
+            <ac:spMk id="4" creationId="{00000000-0000-0000-0000-000000000000}"/>
+          </ac:spMkLst>
+        </pc:spChg>
+        <pc:spChg chg="mod">
+          <ac:chgData name="Wen Su" userId="ced03223-343c-463d-97b1-feaf48328fc7" providerId="ADAL" clId="{F8C60887-CAAD-CE4E-9F11-F50D1CCDEE61}" dt="2022-10-10T10:46:35.263" v="78" actId="1076"/>
+          <ac:spMkLst>
+            <pc:docMk/>
+            <pc:sldMk cId="2860925531" sldId="261"/>
+            <ac:spMk id="6" creationId="{00000000-0000-0000-0000-000000000000}"/>
+          </ac:spMkLst>
+        </pc:spChg>
+        <pc:picChg chg="mod">
+          <ac:chgData name="Wen Su" userId="ced03223-343c-463d-97b1-feaf48328fc7" providerId="ADAL" clId="{F8C60887-CAAD-CE4E-9F11-F50D1CCDEE61}" dt="2022-10-10T10:46:43.926" v="79" actId="1076"/>
+          <ac:picMkLst>
+            <pc:docMk/>
+            <pc:sldMk cId="2860925531" sldId="261"/>
+            <ac:picMk id="2" creationId="{00000000-0000-0000-0000-000000000000}"/>
+          </ac:picMkLst>
+        </pc:picChg>
+      </pc:sldChg>
+      <pc:sldChg chg="modSp">
+        <pc:chgData name="Wen Su" userId="ced03223-343c-463d-97b1-feaf48328fc7" providerId="ADAL" clId="{F8C60887-CAAD-CE4E-9F11-F50D1CCDEE61}" dt="2022-10-10T10:49:35.778" v="87" actId="1076"/>
+        <pc:sldMkLst>
+          <pc:docMk/>
+          <pc:sldMk cId="237518383" sldId="264"/>
+        </pc:sldMkLst>
+        <pc:spChg chg="mod">
+          <ac:chgData name="Wen Su" userId="ced03223-343c-463d-97b1-feaf48328fc7" providerId="ADAL" clId="{F8C60887-CAAD-CE4E-9F11-F50D1CCDEE61}" dt="2022-10-10T10:49:35.778" v="87" actId="1076"/>
+          <ac:spMkLst>
+            <pc:docMk/>
+            <pc:sldMk cId="237518383" sldId="264"/>
+            <ac:spMk id="5" creationId="{00000000-0000-0000-0000-000000000000}"/>
+          </ac:spMkLst>
+        </pc:spChg>
+        <pc:graphicFrameChg chg="mod modGraphic">
+          <ac:chgData name="Wen Su" userId="ced03223-343c-463d-97b1-feaf48328fc7" providerId="ADAL" clId="{F8C60887-CAAD-CE4E-9F11-F50D1CCDEE61}" dt="2022-10-10T10:49:31.238" v="86" actId="1076"/>
+          <ac:graphicFrameMkLst>
+            <pc:docMk/>
+            <pc:sldMk cId="237518383" sldId="264"/>
+            <ac:graphicFrameMk id="4" creationId="{00000000-0000-0000-0000-000000000000}"/>
+          </ac:graphicFrameMkLst>
+        </pc:graphicFrameChg>
+      </pc:sldChg>
+    </pc:docChg>
+  </pc:docChgLst>
+</pc:chgInfo>
+</file>
+
 <file path=ppt/notesMasters/notesMaster1.xml><?xml version="1.0" encoding="utf-8"?>
 <p:notesMaster xmlns:a="http://schemas.openxmlformats.org/drawingml/2006/main" xmlns:r="http://schemas.openxmlformats.org/officeDocument/2006/relationships" xmlns:p="http://schemas.openxmlformats.org/presentationml/2006/main">
   <p:cSld>
@@ -269,35 +453,35 @@
           <a:p>
             <a:pPr lvl="0"/>
             <a:r>
-              <a:rPr lang="en-US" smtClean="0"/>
+              <a:rPr lang="en-US"/>
               <a:t>Edit Master text styles</a:t>
             </a:r>
           </a:p>
           <a:p>
             <a:pPr lvl="1"/>
             <a:r>
-              <a:rPr lang="en-US" smtClean="0"/>
+              <a:rPr lang="en-US"/>
               <a:t>Second level</a:t>
             </a:r>
           </a:p>
           <a:p>
             <a:pPr lvl="2"/>
             <a:r>
-              <a:rPr lang="en-US" smtClean="0"/>
+              <a:rPr lang="en-US"/>
               <a:t>Third level</a:t>
             </a:r>
           </a:p>
           <a:p>
             <a:pPr lvl="3"/>
             <a:r>
-              <a:rPr lang="en-US" smtClean="0"/>
+              <a:rPr lang="en-US"/>
               <a:t>Fourth level</a:t>
             </a:r>
           </a:p>
           <a:p>
             <a:pPr lvl="4"/>
             <a:r>
-              <a:rPr lang="en-US" smtClean="0"/>
+              <a:rPr lang="en-US"/>
               <a:t>Fifth level</a:t>
             </a:r>
             <a:endParaRPr lang="en-AU"/>
@@ -517,7 +701,11 @@
           <a:bodyPr/>
           <a:lstStyle/>
           <a:p>
-            <a:endParaRPr lang="en-AU" dirty="0"/>
+            <a:r>
+              <a:rPr lang="en-AU"/>
+              <a:t>S</a:t>
+            </a:r>
+            <a:endParaRPr lang="en-US"/>
           </a:p>
         </p:txBody>
       </p:sp>
@@ -528,7 +716,7 @@
             <a:spLocks noGrp="1"/>
           </p:cNvSpPr>
           <p:nvPr>
-            <p:ph type="sldNum" sz="quarter" idx="10"/>
+            <p:ph type="sldNum" sz="quarter" idx="5"/>
           </p:nvPr>
         </p:nvSpPr>
         <p:spPr/>
@@ -538,7 +726,7 @@
           <a:p>
             <a:fld id="{40C07B1C-6B5A-4B10-979F-5141DDCC12CD}" type="slidenum">
               <a:rPr lang="en-AU" smtClean="0"/>
-              <a:t>7</a:t>
+              <a:t>3</a:t>
             </a:fld>
             <a:endParaRPr lang="en-AU"/>
           </a:p>
@@ -547,7 +735,7 @@
     </p:spTree>
     <p:extLst>
       <p:ext uri="{BB962C8B-B14F-4D97-AF65-F5344CB8AC3E}">
-        <p14:creationId xmlns:p14="http://schemas.microsoft.com/office/powerpoint/2010/main" val="3425583407"/>
+        <p14:creationId xmlns:p14="http://schemas.microsoft.com/office/powerpoint/2010/main" val="3850216165"/>
       </p:ext>
     </p:extLst>
   </p:cSld>
@@ -601,42 +789,126 @@
           <a:bodyPr/>
           <a:lstStyle/>
           <a:p>
-            <a:r>
-              <a:rPr lang="en-AU" dirty="0" smtClean="0"/>
+            <a:endParaRPr lang="en-AU" dirty="0"/>
+          </a:p>
+        </p:txBody>
+      </p:sp>
+      <p:sp>
+        <p:nvSpPr>
+          <p:cNvPr id="4" name="Slide Number Placeholder 3"/>
+          <p:cNvSpPr>
+            <a:spLocks noGrp="1"/>
+          </p:cNvSpPr>
+          <p:nvPr>
+            <p:ph type="sldNum" sz="quarter" idx="10"/>
+          </p:nvPr>
+        </p:nvSpPr>
+        <p:spPr/>
+        <p:txBody>
+          <a:bodyPr/>
+          <a:lstStyle/>
+          <a:p>
+            <a:fld id="{40C07B1C-6B5A-4B10-979F-5141DDCC12CD}" type="slidenum">
+              <a:rPr lang="en-AU" smtClean="0"/>
+              <a:t>7</a:t>
+            </a:fld>
+            <a:endParaRPr lang="en-AU"/>
+          </a:p>
+        </p:txBody>
+      </p:sp>
+    </p:spTree>
+    <p:extLst>
+      <p:ext uri="{BB962C8B-B14F-4D97-AF65-F5344CB8AC3E}">
+        <p14:creationId xmlns:p14="http://schemas.microsoft.com/office/powerpoint/2010/main" val="3425583407"/>
+      </p:ext>
+    </p:extLst>
+  </p:cSld>
+  <p:clrMapOvr>
+    <a:masterClrMapping/>
+  </p:clrMapOvr>
+</p:notes>
+</file>
+
+<file path=ppt/notesSlides/notesSlide3.xml><?xml version="1.0" encoding="utf-8"?>
+<p:notes xmlns:a="http://schemas.openxmlformats.org/drawingml/2006/main" xmlns:r="http://schemas.openxmlformats.org/officeDocument/2006/relationships" xmlns:p="http://schemas.openxmlformats.org/presentationml/2006/main">
+  <p:cSld>
+    <p:spTree>
+      <p:nvGrpSpPr>
+        <p:cNvPr id="1" name=""/>
+        <p:cNvGrpSpPr/>
+        <p:nvPr/>
+      </p:nvGrpSpPr>
+      <p:grpSpPr>
+        <a:xfrm>
+          <a:off x="0" y="0"/>
+          <a:ext cx="0" cy="0"/>
+          <a:chOff x="0" y="0"/>
+          <a:chExt cx="0" cy="0"/>
+        </a:xfrm>
+      </p:grpSpPr>
+      <p:sp>
+        <p:nvSpPr>
+          <p:cNvPr id="2" name="Slide Image Placeholder 1"/>
+          <p:cNvSpPr>
+            <a:spLocks noGrp="1" noRot="1" noChangeAspect="1"/>
+          </p:cNvSpPr>
+          <p:nvPr>
+            <p:ph type="sldImg"/>
+          </p:nvPr>
+        </p:nvSpPr>
+        <p:spPr/>
+      </p:sp>
+      <p:sp>
+        <p:nvSpPr>
+          <p:cNvPr id="3" name="Notes Placeholder 2"/>
+          <p:cNvSpPr>
+            <a:spLocks noGrp="1"/>
+          </p:cNvSpPr>
+          <p:nvPr>
+            <p:ph type="body" idx="1"/>
+          </p:nvPr>
+        </p:nvSpPr>
+        <p:spPr/>
+        <p:txBody>
+          <a:bodyPr/>
+          <a:lstStyle/>
+          <a:p>
+            <a:r>
+              <a:rPr lang="en-AU" dirty="0"/>
               <a:t>Total</a:t>
             </a:r>
             <a:r>
-              <a:rPr lang="en-AU" baseline="0" dirty="0" smtClean="0"/>
+              <a:rPr lang="en-AU" baseline="0" dirty="0"/>
               <a:t> -3.63, 0.30, -0.32 (-1.46, 0.08, 0.74)</a:t>
             </a:r>
           </a:p>
           <a:p>
             <a:r>
-              <a:rPr lang="en-AU" baseline="0" dirty="0" smtClean="0"/>
+              <a:rPr lang="en-AU" baseline="0" dirty="0"/>
               <a:t>Blacks -2.96,-0.03,  -1.79 (-1.23, -0.25, 0.71)</a:t>
             </a:r>
           </a:p>
           <a:p>
             <a:r>
-              <a:rPr lang="en-AU" baseline="0" dirty="0" smtClean="0"/>
+              <a:rPr lang="en-AU" baseline="0" dirty="0"/>
               <a:t>Non-Hispanic white -4.3, 0.53, 0.07 (-1.78, 0.16, 0.65)</a:t>
             </a:r>
           </a:p>
           <a:p>
             <a:r>
-              <a:rPr lang="en-AU" baseline="0" dirty="0" smtClean="0"/>
+              <a:rPr lang="en-AU" baseline="0" dirty="0"/>
               <a:t>Native -3.26, -0.77, -1.07 (-1.84,-0.39,1.53)</a:t>
             </a:r>
           </a:p>
           <a:p>
-            <a:endParaRPr lang="en-AU" baseline="0" dirty="0" smtClean="0"/>
-          </a:p>
-          <a:p>
-            <a:r>
-              <a:rPr lang="en-AU" baseline="0" dirty="0" smtClean="0"/>
+            <a:endParaRPr lang="en-AU" baseline="0" dirty="0"/>
+          </a:p>
+          <a:p>
+            <a:r>
+              <a:rPr lang="en-AU" baseline="0" dirty="0"/>
               <a:t>background, compression, shift</a:t>
             </a:r>
-            <a:endParaRPr lang="en-AU" dirty="0" smtClean="0"/>
+            <a:endParaRPr lang="en-AU" dirty="0"/>
           </a:p>
           <a:p>
             <a:endParaRPr lang="en-AU" dirty="0"/>
@@ -721,7 +993,7 @@
           </a:lstStyle>
           <a:p>
             <a:r>
-              <a:rPr lang="en-US" smtClean="0"/>
+              <a:rPr lang="en-US"/>
               <a:t>Click to edit Master title style</a:t>
             </a:r>
             <a:endParaRPr lang="en-AU"/>
@@ -786,7 +1058,7 @@
           </a:lstStyle>
           <a:p>
             <a:r>
-              <a:rPr lang="en-US" smtClean="0"/>
+              <a:rPr lang="en-US"/>
               <a:t>Click to edit Master subtitle style</a:t>
             </a:r>
             <a:endParaRPr lang="en-AU"/>
@@ -904,7 +1176,7 @@
           <a:lstStyle/>
           <a:p>
             <a:r>
-              <a:rPr lang="en-US" smtClean="0"/>
+              <a:rPr lang="en-US"/>
               <a:t>Click to edit Master title style</a:t>
             </a:r>
             <a:endParaRPr lang="en-AU"/>
@@ -928,35 +1200,35 @@
           <a:p>
             <a:pPr lvl="0"/>
             <a:r>
-              <a:rPr lang="en-US" smtClean="0"/>
+              <a:rPr lang="en-US"/>
               <a:t>Edit Master text styles</a:t>
             </a:r>
           </a:p>
           <a:p>
             <a:pPr lvl="1"/>
             <a:r>
-              <a:rPr lang="en-US" smtClean="0"/>
+              <a:rPr lang="en-US"/>
               <a:t>Second level</a:t>
             </a:r>
           </a:p>
           <a:p>
             <a:pPr lvl="2"/>
             <a:r>
-              <a:rPr lang="en-US" smtClean="0"/>
+              <a:rPr lang="en-US"/>
               <a:t>Third level</a:t>
             </a:r>
           </a:p>
           <a:p>
             <a:pPr lvl="3"/>
             <a:r>
-              <a:rPr lang="en-US" smtClean="0"/>
+              <a:rPr lang="en-US"/>
               <a:t>Fourth level</a:t>
             </a:r>
           </a:p>
           <a:p>
             <a:pPr lvl="4"/>
             <a:r>
-              <a:rPr lang="en-US" smtClean="0"/>
+              <a:rPr lang="en-US"/>
               <a:t>Fifth level</a:t>
             </a:r>
             <a:endParaRPr lang="en-AU"/>
@@ -1079,7 +1351,7 @@
           <a:lstStyle/>
           <a:p>
             <a:r>
-              <a:rPr lang="en-US" smtClean="0"/>
+              <a:rPr lang="en-US"/>
               <a:t>Click to edit Master title style</a:t>
             </a:r>
             <a:endParaRPr lang="en-AU"/>
@@ -1108,35 +1380,35 @@
           <a:p>
             <a:pPr lvl="0"/>
             <a:r>
-              <a:rPr lang="en-US" smtClean="0"/>
+              <a:rPr lang="en-US"/>
               <a:t>Edit Master text styles</a:t>
             </a:r>
           </a:p>
           <a:p>
             <a:pPr lvl="1"/>
             <a:r>
-              <a:rPr lang="en-US" smtClean="0"/>
+              <a:rPr lang="en-US"/>
               <a:t>Second level</a:t>
             </a:r>
           </a:p>
           <a:p>
             <a:pPr lvl="2"/>
             <a:r>
-              <a:rPr lang="en-US" smtClean="0"/>
+              <a:rPr lang="en-US"/>
               <a:t>Third level</a:t>
             </a:r>
           </a:p>
           <a:p>
             <a:pPr lvl="3"/>
             <a:r>
-              <a:rPr lang="en-US" smtClean="0"/>
+              <a:rPr lang="en-US"/>
               <a:t>Fourth level</a:t>
             </a:r>
           </a:p>
           <a:p>
             <a:pPr lvl="4"/>
             <a:r>
-              <a:rPr lang="en-US" smtClean="0"/>
+              <a:rPr lang="en-US"/>
               <a:t>Fifth level</a:t>
             </a:r>
             <a:endParaRPr lang="en-AU"/>
@@ -1254,7 +1526,7 @@
           <a:lstStyle/>
           <a:p>
             <a:r>
-              <a:rPr lang="en-US" smtClean="0"/>
+              <a:rPr lang="en-US"/>
               <a:t>Click to edit Master title style</a:t>
             </a:r>
             <a:endParaRPr lang="en-AU"/>
@@ -1278,35 +1550,35 @@
           <a:p>
             <a:pPr lvl="0"/>
             <a:r>
-              <a:rPr lang="en-US" smtClean="0"/>
+              <a:rPr lang="en-US"/>
               <a:t>Edit Master text styles</a:t>
             </a:r>
           </a:p>
           <a:p>
             <a:pPr lvl="1"/>
             <a:r>
-              <a:rPr lang="en-US" smtClean="0"/>
+              <a:rPr lang="en-US"/>
               <a:t>Second level</a:t>
             </a:r>
           </a:p>
           <a:p>
             <a:pPr lvl="2"/>
             <a:r>
-              <a:rPr lang="en-US" smtClean="0"/>
+              <a:rPr lang="en-US"/>
               <a:t>Third level</a:t>
             </a:r>
           </a:p>
           <a:p>
             <a:pPr lvl="3"/>
             <a:r>
-              <a:rPr lang="en-US" smtClean="0"/>
+              <a:rPr lang="en-US"/>
               <a:t>Fourth level</a:t>
             </a:r>
           </a:p>
           <a:p>
             <a:pPr lvl="4"/>
             <a:r>
-              <a:rPr lang="en-US" smtClean="0"/>
+              <a:rPr lang="en-US"/>
               <a:t>Fifth level</a:t>
             </a:r>
             <a:endParaRPr lang="en-AU"/>
@@ -1433,7 +1705,7 @@
           </a:lstStyle>
           <a:p>
             <a:r>
-              <a:rPr lang="en-US" smtClean="0"/>
+              <a:rPr lang="en-US"/>
               <a:t>Click to edit Master title style</a:t>
             </a:r>
             <a:endParaRPr lang="en-AU"/>
@@ -1553,7 +1825,7 @@
           <a:p>
             <a:pPr lvl="0"/>
             <a:r>
-              <a:rPr lang="en-US" smtClean="0"/>
+              <a:rPr lang="en-US"/>
               <a:t>Edit Master text styles</a:t>
             </a:r>
           </a:p>
@@ -1670,7 +1942,7 @@
           <a:lstStyle/>
           <a:p>
             <a:r>
-              <a:rPr lang="en-US" smtClean="0"/>
+              <a:rPr lang="en-US"/>
               <a:t>Click to edit Master title style</a:t>
             </a:r>
             <a:endParaRPr lang="en-AU"/>
@@ -1699,35 +1971,35 @@
           <a:p>
             <a:pPr lvl="0"/>
             <a:r>
-              <a:rPr lang="en-US" smtClean="0"/>
+              <a:rPr lang="en-US"/>
               <a:t>Edit Master text styles</a:t>
             </a:r>
           </a:p>
           <a:p>
             <a:pPr lvl="1"/>
             <a:r>
-              <a:rPr lang="en-US" smtClean="0"/>
+              <a:rPr lang="en-US"/>
               <a:t>Second level</a:t>
             </a:r>
           </a:p>
           <a:p>
             <a:pPr lvl="2"/>
             <a:r>
-              <a:rPr lang="en-US" smtClean="0"/>
+              <a:rPr lang="en-US"/>
               <a:t>Third level</a:t>
             </a:r>
           </a:p>
           <a:p>
             <a:pPr lvl="3"/>
             <a:r>
-              <a:rPr lang="en-US" smtClean="0"/>
+              <a:rPr lang="en-US"/>
               <a:t>Fourth level</a:t>
             </a:r>
           </a:p>
           <a:p>
             <a:pPr lvl="4"/>
             <a:r>
-              <a:rPr lang="en-US" smtClean="0"/>
+              <a:rPr lang="en-US"/>
               <a:t>Fifth level</a:t>
             </a:r>
             <a:endParaRPr lang="en-AU"/>
@@ -1756,35 +2028,35 @@
           <a:p>
             <a:pPr lvl="0"/>
             <a:r>
-              <a:rPr lang="en-US" smtClean="0"/>
+              <a:rPr lang="en-US"/>
               <a:t>Edit Master text styles</a:t>
             </a:r>
           </a:p>
           <a:p>
             <a:pPr lvl="1"/>
             <a:r>
-              <a:rPr lang="en-US" smtClean="0"/>
+              <a:rPr lang="en-US"/>
               <a:t>Second level</a:t>
             </a:r>
           </a:p>
           <a:p>
             <a:pPr lvl="2"/>
             <a:r>
-              <a:rPr lang="en-US" smtClean="0"/>
+              <a:rPr lang="en-US"/>
               <a:t>Third level</a:t>
             </a:r>
           </a:p>
           <a:p>
             <a:pPr lvl="3"/>
             <a:r>
-              <a:rPr lang="en-US" smtClean="0"/>
+              <a:rPr lang="en-US"/>
               <a:t>Fourth level</a:t>
             </a:r>
           </a:p>
           <a:p>
             <a:pPr lvl="4"/>
             <a:r>
-              <a:rPr lang="en-US" smtClean="0"/>
+              <a:rPr lang="en-US"/>
               <a:t>Fifth level</a:t>
             </a:r>
             <a:endParaRPr lang="en-AU"/>
@@ -1907,7 +2179,7 @@
           <a:lstStyle/>
           <a:p>
             <a:r>
-              <a:rPr lang="en-US" smtClean="0"/>
+              <a:rPr lang="en-US"/>
               <a:t>Click to edit Master title style</a:t>
             </a:r>
             <a:endParaRPr lang="en-AU"/>
@@ -1973,7 +2245,7 @@
           <a:p>
             <a:pPr lvl="0"/>
             <a:r>
-              <a:rPr lang="en-US" smtClean="0"/>
+              <a:rPr lang="en-US"/>
               <a:t>Edit Master text styles</a:t>
             </a:r>
           </a:p>
@@ -2001,35 +2273,35 @@
           <a:p>
             <a:pPr lvl="0"/>
             <a:r>
-              <a:rPr lang="en-US" smtClean="0"/>
+              <a:rPr lang="en-US"/>
               <a:t>Edit Master text styles</a:t>
             </a:r>
           </a:p>
           <a:p>
             <a:pPr lvl="1"/>
             <a:r>
-              <a:rPr lang="en-US" smtClean="0"/>
+              <a:rPr lang="en-US"/>
               <a:t>Second level</a:t>
             </a:r>
           </a:p>
           <a:p>
             <a:pPr lvl="2"/>
             <a:r>
-              <a:rPr lang="en-US" smtClean="0"/>
+              <a:rPr lang="en-US"/>
               <a:t>Third level</a:t>
             </a:r>
           </a:p>
           <a:p>
             <a:pPr lvl="3"/>
             <a:r>
-              <a:rPr lang="en-US" smtClean="0"/>
+              <a:rPr lang="en-US"/>
               <a:t>Fourth level</a:t>
             </a:r>
           </a:p>
           <a:p>
             <a:pPr lvl="4"/>
             <a:r>
-              <a:rPr lang="en-US" smtClean="0"/>
+              <a:rPr lang="en-US"/>
               <a:t>Fifth level</a:t>
             </a:r>
             <a:endParaRPr lang="en-AU"/>
@@ -2095,7 +2367,7 @@
           <a:p>
             <a:pPr lvl="0"/>
             <a:r>
-              <a:rPr lang="en-US" smtClean="0"/>
+              <a:rPr lang="en-US"/>
               <a:t>Edit Master text styles</a:t>
             </a:r>
           </a:p>
@@ -2123,35 +2395,35 @@
           <a:p>
             <a:pPr lvl="0"/>
             <a:r>
-              <a:rPr lang="en-US" smtClean="0"/>
+              <a:rPr lang="en-US"/>
               <a:t>Edit Master text styles</a:t>
             </a:r>
           </a:p>
           <a:p>
             <a:pPr lvl="1"/>
             <a:r>
-              <a:rPr lang="en-US" smtClean="0"/>
+              <a:rPr lang="en-US"/>
               <a:t>Second level</a:t>
             </a:r>
           </a:p>
           <a:p>
             <a:pPr lvl="2"/>
             <a:r>
-              <a:rPr lang="en-US" smtClean="0"/>
+              <a:rPr lang="en-US"/>
               <a:t>Third level</a:t>
             </a:r>
           </a:p>
           <a:p>
             <a:pPr lvl="3"/>
             <a:r>
-              <a:rPr lang="en-US" smtClean="0"/>
+              <a:rPr lang="en-US"/>
               <a:t>Fourth level</a:t>
             </a:r>
           </a:p>
           <a:p>
             <a:pPr lvl="4"/>
             <a:r>
-              <a:rPr lang="en-US" smtClean="0"/>
+              <a:rPr lang="en-US"/>
               <a:t>Fifth level</a:t>
             </a:r>
             <a:endParaRPr lang="en-AU"/>
@@ -2269,7 +2541,7 @@
           <a:lstStyle/>
           <a:p>
             <a:r>
-              <a:rPr lang="en-US" smtClean="0"/>
+              <a:rPr lang="en-US"/>
               <a:t>Click to edit Master title style</a:t>
             </a:r>
             <a:endParaRPr lang="en-AU"/>
@@ -2491,7 +2763,7 @@
           </a:lstStyle>
           <a:p>
             <a:r>
-              <a:rPr lang="en-US" smtClean="0"/>
+              <a:rPr lang="en-US"/>
               <a:t>Click to edit Master title style</a:t>
             </a:r>
             <a:endParaRPr lang="en-AU"/>
@@ -2548,35 +2820,35 @@
           <a:p>
             <a:pPr lvl="0"/>
             <a:r>
-              <a:rPr lang="en-US" smtClean="0"/>
+              <a:rPr lang="en-US"/>
               <a:t>Edit Master text styles</a:t>
             </a:r>
           </a:p>
           <a:p>
             <a:pPr lvl="1"/>
             <a:r>
-              <a:rPr lang="en-US" smtClean="0"/>
+              <a:rPr lang="en-US"/>
               <a:t>Second level</a:t>
             </a:r>
           </a:p>
           <a:p>
             <a:pPr lvl="2"/>
             <a:r>
-              <a:rPr lang="en-US" smtClean="0"/>
+              <a:rPr lang="en-US"/>
               <a:t>Third level</a:t>
             </a:r>
           </a:p>
           <a:p>
             <a:pPr lvl="3"/>
             <a:r>
-              <a:rPr lang="en-US" smtClean="0"/>
+              <a:rPr lang="en-US"/>
               <a:t>Fourth level</a:t>
             </a:r>
           </a:p>
           <a:p>
             <a:pPr lvl="4"/>
             <a:r>
-              <a:rPr lang="en-US" smtClean="0"/>
+              <a:rPr lang="en-US"/>
               <a:t>Fifth level</a:t>
             </a:r>
             <a:endParaRPr lang="en-AU"/>
@@ -2642,7 +2914,7 @@
           <a:p>
             <a:pPr lvl="0"/>
             <a:r>
-              <a:rPr lang="en-US" smtClean="0"/>
+              <a:rPr lang="en-US"/>
               <a:t>Edit Master text styles</a:t>
             </a:r>
           </a:p>
@@ -2768,7 +3040,7 @@
           </a:lstStyle>
           <a:p>
             <a:r>
-              <a:rPr lang="en-US" smtClean="0"/>
+              <a:rPr lang="en-US"/>
               <a:t>Click to edit Master title style</a:t>
             </a:r>
             <a:endParaRPr lang="en-AU"/>
@@ -2895,7 +3167,7 @@
           <a:p>
             <a:pPr lvl="0"/>
             <a:r>
-              <a:rPr lang="en-US" smtClean="0"/>
+              <a:rPr lang="en-US"/>
               <a:t>Edit Master text styles</a:t>
             </a:r>
           </a:p>
@@ -3027,7 +3299,7 @@
           <a:lstStyle/>
           <a:p>
             <a:r>
-              <a:rPr lang="en-US" smtClean="0"/>
+              <a:rPr lang="en-US"/>
               <a:t>Click to edit Master title style</a:t>
             </a:r>
             <a:endParaRPr lang="en-AU"/>
@@ -3061,35 +3333,35 @@
           <a:p>
             <a:pPr lvl="0"/>
             <a:r>
-              <a:rPr lang="en-US" smtClean="0"/>
+              <a:rPr lang="en-US"/>
               <a:t>Edit Master text styles</a:t>
             </a:r>
           </a:p>
           <a:p>
             <a:pPr lvl="1"/>
             <a:r>
-              <a:rPr lang="en-US" smtClean="0"/>
+              <a:rPr lang="en-US"/>
               <a:t>Second level</a:t>
             </a:r>
           </a:p>
           <a:p>
             <a:pPr lvl="2"/>
             <a:r>
-              <a:rPr lang="en-US" smtClean="0"/>
+              <a:rPr lang="en-US"/>
               <a:t>Third level</a:t>
             </a:r>
           </a:p>
           <a:p>
             <a:pPr lvl="3"/>
             <a:r>
-              <a:rPr lang="en-US" smtClean="0"/>
+              <a:rPr lang="en-US"/>
               <a:t>Fourth level</a:t>
             </a:r>
           </a:p>
           <a:p>
             <a:pPr lvl="4"/>
             <a:r>
-              <a:rPr lang="en-US" smtClean="0"/>
+              <a:rPr lang="en-US"/>
               <a:t>Fifth level</a:t>
             </a:r>
             <a:endParaRPr lang="en-AU"/>
@@ -3559,10 +3831,17 @@
           <a:lstStyle/>
           <a:p>
             <a:r>
-              <a:rPr lang="en-AU" sz="3600" b="1" dirty="0" smtClean="0"/>
-              <a:t>What Changes in Life expectancy reveals about US racial mortality inequality</a:t>
-            </a:r>
-            <a:endParaRPr lang="en-AU" sz="3600" b="1" dirty="0"/>
+              <a:rPr lang="en-AU" sz="3600" b="1" dirty="0"/>
+              <a:t>What Changes in Life </a:t>
+            </a:r>
+            <a:r>
+              <a:rPr lang="en-AU" sz="3600" b="1"/>
+              <a:t>expectancy 2011-2020 reveal about </a:t>
+            </a:r>
+            <a:r>
+              <a:rPr lang="en-AU" sz="3600" b="1" dirty="0"/>
+              <a:t>US racial mortality inequality</a:t>
+            </a:r>
           </a:p>
         </p:txBody>
       </p:sp>
@@ -3590,26 +3869,9 @@
           <a:p>
             <a:pPr algn="l"/>
             <a:r>
-              <a:rPr lang="en-AU" sz="2800" dirty="0" smtClean="0"/>
-              <a:t>Replication and extension of the paper: “</a:t>
-            </a:r>
-            <a:r>
               <a:rPr lang="en-AU" sz="2800" dirty="0"/>
-              <a:t>Decomposing changes in life </a:t>
-            </a:r>
-            <a:r>
-              <a:rPr lang="en-AU" sz="2800" dirty="0" smtClean="0"/>
-              <a:t>expectancy: Compression </a:t>
-            </a:r>
-            <a:r>
-              <a:rPr lang="en-AU" sz="2800" dirty="0"/>
-              <a:t>versus shifting mortality</a:t>
-            </a:r>
-            <a:r>
-              <a:rPr lang="en-AU" sz="2800" dirty="0" smtClean="0"/>
-              <a:t>”</a:t>
-            </a:r>
-            <a:endParaRPr lang="en-AU" sz="2800" dirty="0"/>
+              <a:t>Replication and extension of the paper: “Decomposing changes in life expectancy: Compression versus shifting mortality”</a:t>
+            </a:r>
           </a:p>
         </p:txBody>
       </p:sp>
@@ -3636,22 +3898,21 @@
           <a:lstStyle/>
           <a:p>
             <a:r>
-              <a:rPr lang="en-AU" sz="2400" dirty="0" smtClean="0"/>
+              <a:rPr lang="en-AU" sz="2400" dirty="0"/>
               <a:t>Wen Su </a:t>
             </a:r>
           </a:p>
           <a:p>
             <a:r>
-              <a:rPr lang="en-AU" sz="2400" dirty="0" smtClean="0"/>
+              <a:rPr lang="en-AU" sz="2400" dirty="0"/>
               <a:t>U6897805</a:t>
             </a:r>
           </a:p>
           <a:p>
             <a:r>
-              <a:rPr lang="en-AU" sz="2400" dirty="0" smtClean="0"/>
+              <a:rPr lang="en-AU" sz="2400" dirty="0"/>
               <a:t>EMET 8002</a:t>
             </a:r>
-            <a:endParaRPr lang="en-AU" sz="2400" dirty="0"/>
           </a:p>
         </p:txBody>
       </p:sp>
@@ -3665,13 +3926,6 @@
   <p:clrMapOvr>
     <a:masterClrMapping/>
   </p:clrMapOvr>
-  <p:timing>
-    <p:tnLst>
-      <p:par>
-        <p:cTn id="1" dur="indefinite" restart="never" nodeType="tmRoot"/>
-      </p:par>
-    </p:tnLst>
-  </p:timing>
 </p:sld>
 </file>
 
@@ -3704,7 +3958,7 @@
         </p:nvSpPr>
         <p:spPr>
           <a:xfrm>
-            <a:off x="0" y="-155829"/>
+            <a:off x="479709" y="0"/>
             <a:ext cx="10515600" cy="1325563"/>
           </a:xfrm>
         </p:spPr>
@@ -3713,10 +3967,9 @@
           <a:lstStyle/>
           <a:p>
             <a:r>
-              <a:rPr lang="en-AU" dirty="0" smtClean="0"/>
+              <a:rPr lang="en-AU" dirty="0"/>
               <a:t>Life expectancy</a:t>
             </a:r>
-            <a:endParaRPr lang="en-AU" dirty="0"/>
           </a:p>
         </p:txBody>
       </p:sp>
@@ -3767,21 +4020,21 @@
           <a:lstStyle/>
           <a:p>
             <a:r>
-              <a:rPr lang="en-AU" sz="2800" b="1" dirty="0" smtClean="0"/>
+              <a:rPr lang="en-AU" sz="2800" b="1" dirty="0"/>
               <a:t>Geek Version: </a:t>
             </a:r>
             <a:r>
-              <a:rPr lang="en-AU" sz="2800" dirty="0" smtClean="0"/>
+              <a:rPr lang="en-AU" sz="2800" dirty="0"/>
               <a:t>The average years of life a hypothetical population would live if they follow the mortality of a given year at each age</a:t>
             </a:r>
           </a:p>
           <a:p>
             <a:r>
-              <a:rPr lang="en-AU" sz="2800" b="1" dirty="0" smtClean="0"/>
+              <a:rPr lang="en-AU" sz="2800" b="1" dirty="0"/>
               <a:t>Plain Version: </a:t>
             </a:r>
             <a:r>
-              <a:rPr lang="en-AU" sz="2800" dirty="0" smtClean="0"/>
+              <a:rPr lang="en-AU" sz="2800" dirty="0"/>
               <a:t>Measures population health (mortality) at a given year in years</a:t>
             </a:r>
             <a:endParaRPr lang="en-AU" sz="2800" b="1" dirty="0"/>
@@ -3811,10 +4064,9 @@
           <a:lstStyle/>
           <a:p>
             <a:r>
-              <a:rPr lang="en-AU" dirty="0" smtClean="0"/>
+              <a:rPr lang="en-AU" dirty="0"/>
               <a:t>Source: Calculation based on HMD (2022) </a:t>
             </a:r>
-            <a:endParaRPr lang="en-AU" dirty="0"/>
           </a:p>
         </p:txBody>
       </p:sp>
@@ -3828,13 +4080,6 @@
   <p:clrMapOvr>
     <a:masterClrMapping/>
   </p:clrMapOvr>
-  <p:timing>
-    <p:tnLst>
-      <p:par>
-        <p:cTn id="1" dur="indefinite" restart="never" nodeType="tmRoot"/>
-      </p:par>
-    </p:tnLst>
-  </p:timing>
 </p:sld>
 </file>
 
@@ -3855,8 +4100,8 @@
           <a:chExt cx="0" cy="0"/>
         </a:xfrm>
       </p:grpSpPr>
-      <mc:AlternateContent xmlns:mc="http://schemas.openxmlformats.org/markup-compatibility/2006" xmlns:a14="http://schemas.microsoft.com/office/drawing/2010/main">
-        <mc:Choice Requires="a14">
+      <mc:AlternateContent xmlns:mc="http://schemas.openxmlformats.org/markup-compatibility/2006">
+        <mc:Choice xmlns:a14="http://schemas.microsoft.com/office/drawing/2010/main" Requires="a14">
           <p:sp>
             <p:nvSpPr>
               <p:cNvPr id="5" name="TextBox 4"/>
@@ -3865,7 +4110,7 @@
             </p:nvSpPr>
             <p:spPr>
               <a:xfrm>
-                <a:off x="493776" y="667512"/>
+                <a:off x="2258568" y="829754"/>
                 <a:ext cx="4974336" cy="1159485"/>
               </a:xfrm>
               <a:prstGeom prst="rect">
@@ -4077,7 +4322,7 @@
             </p:txBody>
           </p:sp>
         </mc:Choice>
-        <mc:Fallback xmlns="">
+        <mc:Fallback>
           <p:sp>
             <p:nvSpPr>
               <p:cNvPr id="5" name="TextBox 4"/>
@@ -4088,16 +4333,16 @@
             </p:nvSpPr>
             <p:spPr>
               <a:xfrm>
-                <a:off x="493776" y="667512"/>
+                <a:off x="2258568" y="829754"/>
                 <a:ext cx="4974336" cy="1159485"/>
               </a:xfrm>
               <a:prstGeom prst="rect">
                 <a:avLst/>
               </a:prstGeom>
               <a:blipFill>
-                <a:blip r:embed="rId2"/>
+                <a:blip r:embed="rId3"/>
                 <a:stretch>
-                  <a:fillRect/>
+                  <a:fillRect l="-14796" t="-172826" r="-255" b="-254348"/>
                 </a:stretch>
               </a:blipFill>
             </p:spPr>
@@ -4106,7 +4351,7 @@
               <a:lstStyle/>
               <a:p>
                 <a:r>
-                  <a:rPr lang="en-AU">
+                  <a:rPr lang="en-US">
                     <a:noFill/>
                   </a:rPr>
                   <a:t> </a:t>
@@ -4116,8 +4361,8 @@
           </p:sp>
         </mc:Fallback>
       </mc:AlternateContent>
-      <mc:AlternateContent xmlns:mc="http://schemas.openxmlformats.org/markup-compatibility/2006" xmlns:a14="http://schemas.microsoft.com/office/drawing/2010/main">
-        <mc:Choice Requires="a14">
+      <mc:AlternateContent xmlns:mc="http://schemas.openxmlformats.org/markup-compatibility/2006">
+        <mc:Choice xmlns:a14="http://schemas.microsoft.com/office/drawing/2010/main" Requires="a14">
           <p:sp>
             <p:nvSpPr>
               <p:cNvPr id="6" name="TextBox 5"/>
@@ -4126,7 +4371,7 @@
             </p:nvSpPr>
             <p:spPr>
               <a:xfrm>
-                <a:off x="1051560" y="2400579"/>
+                <a:off x="2258568" y="2387879"/>
                 <a:ext cx="3986784" cy="1159485"/>
               </a:xfrm>
               <a:prstGeom prst="rect">
@@ -4271,7 +4516,7 @@
             </p:txBody>
           </p:sp>
         </mc:Choice>
-        <mc:Fallback xmlns="">
+        <mc:Fallback>
           <p:sp>
             <p:nvSpPr>
               <p:cNvPr id="6" name="TextBox 5"/>
@@ -4282,16 +4527,16 @@
             </p:nvSpPr>
             <p:spPr>
               <a:xfrm>
-                <a:off x="1051560" y="2400579"/>
+                <a:off x="2258568" y="2387879"/>
                 <a:ext cx="3986784" cy="1159485"/>
               </a:xfrm>
               <a:prstGeom prst="rect">
                 <a:avLst/>
               </a:prstGeom>
               <a:blipFill>
-                <a:blip r:embed="rId3"/>
+                <a:blip r:embed="rId4"/>
                 <a:stretch>
-                  <a:fillRect/>
+                  <a:fillRect t="-172826" r="-635" b="-253261"/>
                 </a:stretch>
               </a:blipFill>
             </p:spPr>
@@ -4300,7 +4545,7 @@
               <a:lstStyle/>
               <a:p>
                 <a:r>
-                  <a:rPr lang="en-AU">
+                  <a:rPr lang="en-US">
                     <a:noFill/>
                   </a:rPr>
                   <a:t> </a:t>
@@ -4310,8 +4555,8 @@
           </p:sp>
         </mc:Fallback>
       </mc:AlternateContent>
-      <mc:AlternateContent xmlns:mc="http://schemas.openxmlformats.org/markup-compatibility/2006" xmlns:a14="http://schemas.microsoft.com/office/drawing/2010/main">
-        <mc:Choice Requires="a14">
+      <mc:AlternateContent xmlns:mc="http://schemas.openxmlformats.org/markup-compatibility/2006">
+        <mc:Choice xmlns:a14="http://schemas.microsoft.com/office/drawing/2010/main" Requires="a14">
           <p:sp>
             <p:nvSpPr>
               <p:cNvPr id="18" name="TextBox 17"/>
@@ -4320,7 +4565,7 @@
             </p:nvSpPr>
             <p:spPr>
               <a:xfrm>
-                <a:off x="1645920" y="4106772"/>
+                <a:off x="2258568" y="4180988"/>
                 <a:ext cx="5614416" cy="606384"/>
               </a:xfrm>
               <a:prstGeom prst="rect">
@@ -4537,7 +4782,7 @@
             </p:txBody>
           </p:sp>
         </mc:Choice>
-        <mc:Fallback xmlns="">
+        <mc:Fallback>
           <p:sp>
             <p:nvSpPr>
               <p:cNvPr id="18" name="TextBox 17"/>
@@ -4548,16 +4793,16 @@
             </p:nvSpPr>
             <p:spPr>
               <a:xfrm>
-                <a:off x="1645920" y="4106772"/>
+                <a:off x="2258568" y="4180988"/>
                 <a:ext cx="5614416" cy="606384"/>
               </a:xfrm>
               <a:prstGeom prst="rect">
                 <a:avLst/>
               </a:prstGeom>
               <a:blipFill>
-                <a:blip r:embed="rId4"/>
+                <a:blip r:embed="rId5"/>
                 <a:stretch>
-                  <a:fillRect/>
+                  <a:fillRect b="-20833"/>
                 </a:stretch>
               </a:blipFill>
             </p:spPr>
@@ -4566,7 +4811,7 @@
               <a:lstStyle/>
               <a:p>
                 <a:r>
-                  <a:rPr lang="en-AU">
+                  <a:rPr lang="en-US">
                     <a:noFill/>
                   </a:rPr>
                   <a:t> </a:t>
@@ -4584,7 +4829,7 @@
         </p:nvSpPr>
         <p:spPr>
           <a:xfrm>
-            <a:off x="2606040" y="4846320"/>
+            <a:off x="2593466" y="5186012"/>
             <a:ext cx="8266176" cy="1077218"/>
           </a:xfrm>
           <a:prstGeom prst="rect">
@@ -4599,25 +4844,70 @@
           <a:lstStyle/>
           <a:p>
             <a:r>
-              <a:rPr lang="en-AU" sz="3200" dirty="0" smtClean="0"/>
-              <a:t>Gompertz-</a:t>
-            </a:r>
-            <a:r>
-              <a:rPr lang="en-AU" sz="3200" dirty="0" err="1" smtClean="0"/>
-              <a:t>Makeham</a:t>
-            </a:r>
-            <a:endParaRPr lang="en-AU" sz="3200" dirty="0" smtClean="0"/>
-          </a:p>
-          <a:p>
-            <a:r>
-              <a:rPr lang="en-AU" sz="3200" dirty="0" smtClean="0"/>
-              <a:t>Parametric </a:t>
-            </a:r>
-            <a:r>
-              <a:rPr lang="en-AU" sz="3200" dirty="0" smtClean="0"/>
-              <a:t>Fitting with Maximum Likelihood </a:t>
+              <a:rPr lang="en-AU" sz="3200"/>
+              <a:t>Gompertz-Makeham Model</a:t>
             </a:r>
             <a:endParaRPr lang="en-AU" sz="3200" dirty="0"/>
+          </a:p>
+          <a:p>
+            <a:r>
+              <a:rPr lang="en-AU" sz="3200" dirty="0"/>
+              <a:t>Parametric Fitting with Maximum Likelihood </a:t>
+            </a:r>
+          </a:p>
+        </p:txBody>
+      </p:sp>
+      <p:sp>
+        <p:nvSpPr>
+          <p:cNvPr id="3" name="Rectangle 2">
+            <a:extLst>
+              <a:ext uri="{FF2B5EF4-FFF2-40B4-BE49-F238E27FC236}">
+                <a16:creationId xmlns:a16="http://schemas.microsoft.com/office/drawing/2014/main" id="{27D3CB95-170C-B5BB-52BA-C0958FB6DAC1}"/>
+              </a:ext>
+            </a:extLst>
+          </p:cNvPr>
+          <p:cNvSpPr/>
+          <p:nvPr/>
+        </p:nvSpPr>
+        <p:spPr>
+          <a:xfrm>
+            <a:off x="4897754" y="377605"/>
+            <a:ext cx="2508484" cy="1828800"/>
+          </a:xfrm>
+          <a:prstGeom prst="rect">
+            <a:avLst/>
+          </a:prstGeom>
+          <a:solidFill>
+            <a:schemeClr val="bg1"/>
+          </a:solidFill>
+          <a:ln>
+            <a:solidFill>
+              <a:schemeClr val="bg1"/>
+            </a:solidFill>
+          </a:ln>
+        </p:spPr>
+        <p:style>
+          <a:lnRef idx="2">
+            <a:schemeClr val="accent1">
+              <a:shade val="50000"/>
+            </a:schemeClr>
+          </a:lnRef>
+          <a:fillRef idx="1">
+            <a:schemeClr val="accent1"/>
+          </a:fillRef>
+          <a:effectRef idx="0">
+            <a:schemeClr val="accent1"/>
+          </a:effectRef>
+          <a:fontRef idx="minor">
+            <a:schemeClr val="lt1"/>
+          </a:fontRef>
+        </p:style>
+        <p:txBody>
+          <a:bodyPr rtlCol="0" anchor="ctr"/>
+          <a:lstStyle/>
+          <a:p>
+            <a:pPr algn="ctr"/>
+            <a:endParaRPr lang="en-US"/>
           </a:p>
         </p:txBody>
       </p:sp>
@@ -4631,13 +4921,6 @@
   <p:clrMapOvr>
     <a:masterClrMapping/>
   </p:clrMapOvr>
-  <p:timing>
-    <p:tnLst>
-      <p:par>
-        <p:cTn id="1" dur="indefinite" restart="never" nodeType="tmRoot"/>
-      </p:par>
-    </p:tnLst>
-  </p:timing>
 </p:sld>
 </file>
 
@@ -4681,20 +4964,12 @@
           <a:lstStyle/>
           <a:p>
             <a:r>
-              <a:rPr lang="en-AU" sz="3200" dirty="0" smtClean="0"/>
-              <a:t>Changes in </a:t>
-            </a:r>
-            <a:r>
               <a:rPr lang="en-AU" sz="3200" dirty="0"/>
-              <a:t>l</a:t>
-            </a:r>
-            <a:r>
-              <a:rPr lang="en-AU" sz="3200" dirty="0" smtClean="0"/>
-              <a:t>ife expectancy can be traced to:</a:t>
-            </a:r>
-          </a:p>
-          <a:p>
-            <a:endParaRPr lang="en-AU" sz="3200" dirty="0" smtClean="0"/>
+              <a:t>Changes in life expectancy can be traced to:</a:t>
+            </a:r>
+          </a:p>
+          <a:p>
+            <a:endParaRPr lang="en-AU" sz="3200" dirty="0"/>
           </a:p>
           <a:p>
             <a:pPr marL="514350" indent="-514350">
@@ -4702,7 +4977,7 @@
               <a:buAutoNum type="arabicPeriod"/>
             </a:pPr>
             <a:r>
-              <a:rPr lang="en-AU" sz="3200" dirty="0" smtClean="0"/>
+              <a:rPr lang="en-AU" sz="3200" dirty="0"/>
               <a:t>the changes in age-independent mortality (Background)</a:t>
             </a:r>
           </a:p>
@@ -4711,7 +4986,7 @@
               <a:buAutoNum type="arabicPeriod"/>
             </a:pPr>
             <a:r>
-              <a:rPr lang="en-AU" sz="3200" dirty="0" smtClean="0"/>
+              <a:rPr lang="en-AU" sz="3200" dirty="0"/>
               <a:t>the changes in the age-dependent mortality (Compression) </a:t>
             </a:r>
           </a:p>
@@ -4720,8 +4995,16 @@
               <a:buAutoNum type="arabicPeriod"/>
             </a:pPr>
             <a:r>
-              <a:rPr lang="en-AU" sz="3200" dirty="0" smtClean="0"/>
-              <a:t>the changes in shift (Modal age at death) </a:t>
+              <a:rPr lang="en-AU" sz="3200" dirty="0"/>
+              <a:t>the changes in </a:t>
+            </a:r>
+            <a:r>
+              <a:rPr lang="en-AU" sz="3200"/>
+              <a:t>shift of mortality (</a:t>
+            </a:r>
+            <a:r>
+              <a:rPr lang="en-AU" sz="3200" dirty="0"/>
+              <a:t>Modal age at death) </a:t>
             </a:r>
           </a:p>
         </p:txBody>
@@ -4734,7 +5017,7 @@
         </p:nvSpPr>
         <p:spPr>
           <a:xfrm>
-            <a:off x="704088" y="4078224"/>
+            <a:off x="704088" y="3990204"/>
             <a:ext cx="10058400" cy="1200329"/>
           </a:xfrm>
           <a:prstGeom prst="rect">
@@ -4749,18 +5032,29 @@
           <a:lstStyle/>
           <a:p>
             <a:r>
-              <a:rPr lang="en-AU" sz="3600" dirty="0" smtClean="0">
+              <a:rPr lang="en-AU" sz="3600" dirty="0">
                 <a:solidFill>
                   <a:srgbClr val="002060"/>
                 </a:solidFill>
               </a:rPr>
-              <a:t>Question 1: For the United States, which component take the lead over the years?</a:t>
-            </a:r>
-            <a:endParaRPr lang="en-AU" sz="3600" dirty="0">
-              <a:solidFill>
-                <a:srgbClr val="002060"/>
-              </a:solidFill>
-            </a:endParaRPr>
+              <a:t>Question 1: For the United States, which </a:t>
+            </a:r>
+            <a:r>
+              <a:rPr lang="en-AU" sz="3600">
+                <a:solidFill>
+                  <a:srgbClr val="002060"/>
+                </a:solidFill>
+              </a:rPr>
+              <a:t>component takes </a:t>
+            </a:r>
+            <a:r>
+              <a:rPr lang="en-AU" sz="3600" dirty="0">
+                <a:solidFill>
+                  <a:srgbClr val="002060"/>
+                </a:solidFill>
+              </a:rPr>
+              <a:t>the lead over the years?</a:t>
+            </a:r>
           </a:p>
         </p:txBody>
       </p:sp>
@@ -4774,13 +5068,6 @@
   <p:clrMapOvr>
     <a:masterClrMapping/>
   </p:clrMapOvr>
-  <p:timing>
-    <p:tnLst>
-      <p:par>
-        <p:cTn id="1" dur="indefinite" restart="never" nodeType="tmRoot"/>
-      </p:par>
-    </p:tnLst>
-  </p:timing>
 </p:sld>
 </file>
 
@@ -4895,10 +5182,9 @@
           <a:lstStyle/>
           <a:p>
             <a:r>
-              <a:rPr lang="en-AU" dirty="0" smtClean="0"/>
+              <a:rPr lang="en-AU" dirty="0"/>
               <a:t>Source: Calculation based HMD (2022)</a:t>
             </a:r>
-            <a:endParaRPr lang="en-AU" dirty="0"/>
           </a:p>
         </p:txBody>
       </p:sp>
@@ -5018,7 +5304,7 @@
         </p:nvSpPr>
         <p:spPr>
           <a:xfrm>
-            <a:off x="804672" y="1044761"/>
+            <a:off x="801624" y="481114"/>
             <a:ext cx="10588752" cy="1692771"/>
           </a:xfrm>
           <a:prstGeom prst="rect">
@@ -5033,29 +5319,19 @@
           <a:lstStyle/>
           <a:p>
             <a:r>
-              <a:rPr lang="en-AU" sz="3200" dirty="0" smtClean="0"/>
-              <a:t>The latest 10 years has seen a significant decrease in life </a:t>
-            </a:r>
-            <a:r>
-              <a:rPr lang="en-AU" sz="3200" dirty="0" smtClean="0"/>
-              <a:t>expectancy.</a:t>
-            </a:r>
-            <a:endParaRPr lang="en-AU" sz="3200" dirty="0" smtClean="0"/>
-          </a:p>
-          <a:p>
-            <a:r>
-              <a:rPr lang="en-AU" sz="4000" dirty="0" smtClean="0">
+              <a:rPr lang="en-AU" sz="3200" dirty="0"/>
+              <a:t>The latest 10 years has seen a significant decrease in life expectancy.</a:t>
+            </a:r>
+          </a:p>
+          <a:p>
+            <a:r>
+              <a:rPr lang="en-AU" sz="4000" dirty="0">
                 <a:solidFill>
                   <a:srgbClr val="002060"/>
                 </a:solidFill>
               </a:rPr>
               <a:t>However, does it affect different races equally?  </a:t>
             </a:r>
-            <a:endParaRPr lang="en-AU" sz="4000" dirty="0">
-              <a:solidFill>
-                <a:srgbClr val="002060"/>
-              </a:solidFill>
-            </a:endParaRPr>
           </a:p>
         </p:txBody>
       </p:sp>
@@ -5067,7 +5343,7 @@
         </p:nvSpPr>
         <p:spPr>
           <a:xfrm>
-            <a:off x="804672" y="3305673"/>
+            <a:off x="801624" y="2625352"/>
             <a:ext cx="10588752" cy="1569660"/>
           </a:xfrm>
           <a:prstGeom prst="rect">
@@ -5082,28 +5358,20 @@
           <a:lstStyle/>
           <a:p>
             <a:r>
-              <a:rPr lang="en-AU" sz="3200" dirty="0" smtClean="0"/>
-              <a:t>Mid-year </a:t>
-            </a:r>
-            <a:r>
-              <a:rPr lang="en-AU" sz="3200" dirty="0" smtClean="0"/>
-              <a:t>smoothed population </a:t>
-            </a:r>
-            <a:r>
-              <a:rPr lang="en-AU" sz="3200" dirty="0" smtClean="0"/>
-              <a:t>counts and deaths number from </a:t>
-            </a:r>
-            <a:r>
-              <a:rPr lang="en-AU" sz="3200" dirty="0" smtClean="0"/>
-              <a:t>CDC, and the use of the decomposition method using </a:t>
-            </a:r>
-            <a:r>
-              <a:rPr lang="en-AU" sz="3200" dirty="0" err="1" smtClean="0"/>
-              <a:t>Gompartz-Makeham</a:t>
-            </a:r>
-            <a:r>
-              <a:rPr lang="en-AU" sz="3200" dirty="0" smtClean="0"/>
-              <a:t> Model</a:t>
+              <a:rPr lang="en-AU" sz="3200" dirty="0"/>
+              <a:t>Mid-year smoothed population counts and </a:t>
+            </a:r>
+            <a:r>
+              <a:rPr lang="en-AU" sz="3200"/>
+              <a:t>deaths number from age 30 to age 100 from CDC Wonder database, </a:t>
+            </a:r>
+            <a:r>
+              <a:rPr lang="en-AU" sz="3200" dirty="0"/>
+              <a:t>and the use </a:t>
+            </a:r>
+            <a:r>
+              <a:rPr lang="en-AU" sz="3200"/>
+              <a:t>of the  decomposition using Gompartz-Makeham Model</a:t>
             </a:r>
           </a:p>
         </p:txBody>
@@ -5124,8 +5392,8 @@
         </p:blipFill>
         <p:spPr>
           <a:xfrm>
-            <a:off x="4419601" y="4749111"/>
-            <a:ext cx="7338646" cy="1995991"/>
+            <a:off x="1806181" y="4382420"/>
+            <a:ext cx="8579637" cy="2333520"/>
           </a:xfrm>
           <a:prstGeom prst="rect">
             <a:avLst/>
@@ -5142,13 +5410,6 @@
   <p:clrMapOvr>
     <a:masterClrMapping/>
   </p:clrMapOvr>
-  <p:timing>
-    <p:tnLst>
-      <p:par>
-        <p:cTn id="1" dur="indefinite" restart="never" nodeType="tmRoot"/>
-      </p:par>
-    </p:tnLst>
-  </p:timing>
 </p:sld>
 </file>
 
@@ -5241,10 +5502,9 @@
           <a:lstStyle/>
           <a:p>
             <a:r>
-              <a:rPr lang="en-AU" sz="3200" b="1" dirty="0" smtClean="0"/>
+              <a:rPr lang="en-AU" sz="3200" b="1" dirty="0"/>
               <a:t>US Average </a:t>
             </a:r>
-            <a:endParaRPr lang="en-AU" sz="3200" b="1" dirty="0"/>
           </a:p>
         </p:txBody>
       </p:sp>
@@ -5273,10 +5533,9 @@
           <a:lstStyle/>
           <a:p>
             <a:r>
-              <a:rPr lang="en-AU" sz="3200" b="1" dirty="0" smtClean="0"/>
+              <a:rPr lang="en-AU" sz="3200" b="1" dirty="0"/>
               <a:t>Blacks </a:t>
             </a:r>
-            <a:endParaRPr lang="en-AU" sz="3200" b="1" dirty="0"/>
           </a:p>
         </p:txBody>
       </p:sp>
@@ -5303,10 +5562,9 @@
           <a:lstStyle/>
           <a:p>
             <a:r>
-              <a:rPr lang="en-AU" dirty="0" smtClean="0"/>
+              <a:rPr lang="en-AU" dirty="0"/>
               <a:t>Source: Calculation based on CDC WONDER</a:t>
             </a:r>
-            <a:endParaRPr lang="en-AU" dirty="0"/>
           </a:p>
         </p:txBody>
       </p:sp>
@@ -5320,13 +5578,6 @@
   <p:clrMapOvr>
     <a:masterClrMapping/>
   </p:clrMapOvr>
-  <p:timing>
-    <p:tnLst>
-      <p:par>
-        <p:cTn id="1" dur="indefinite" restart="never" nodeType="tmRoot"/>
-      </p:par>
-    </p:tnLst>
-  </p:timing>
 </p:sld>
 </file>
 
@@ -5356,14 +5607,14 @@
           <p:nvPr>
             <p:extLst>
               <p:ext uri="{D42A27DB-BD31-4B8C-83A1-F6EECF244321}">
-                <p14:modId xmlns:p14="http://schemas.microsoft.com/office/powerpoint/2010/main" val="3861778038"/>
+                <p14:modId xmlns:p14="http://schemas.microsoft.com/office/powerpoint/2010/main" val="3347085146"/>
               </p:ext>
             </p:extLst>
           </p:nvPr>
         </p:nvGraphicFramePr>
         <p:xfrm>
-          <a:off x="444844" y="472530"/>
-          <a:ext cx="11294076" cy="5354846"/>
+          <a:off x="153429" y="507404"/>
+          <a:ext cx="11876903" cy="4426226"/>
         </p:xfrm>
         <a:graphic>
           <a:graphicData uri="http://schemas.openxmlformats.org/drawingml/2006/table">
@@ -5372,35 +5623,35 @@
                 <a:tableStyleId>{5C22544A-7EE6-4342-B048-85BDC9FD1C3A}</a:tableStyleId>
               </a:tblPr>
               <a:tblGrid>
-                <a:gridCol w="2262772">
+                <a:gridCol w="3708482">
                   <a:extLst>
                     <a:ext uri="{9D8B030D-6E8A-4147-A177-3AD203B41FA5}">
                       <a16:colId xmlns:a16="http://schemas.microsoft.com/office/drawing/2014/main" val="1730332502"/>
                     </a:ext>
                   </a:extLst>
                 </a:gridCol>
-                <a:gridCol w="2262772">
+                <a:gridCol w="2198992">
                   <a:extLst>
                     <a:ext uri="{9D8B030D-6E8A-4147-A177-3AD203B41FA5}">
                       <a16:colId xmlns:a16="http://schemas.microsoft.com/office/drawing/2014/main" val="3788843588"/>
                     </a:ext>
                   </a:extLst>
                 </a:gridCol>
-                <a:gridCol w="2262772">
+                <a:gridCol w="2383752">
                   <a:extLst>
                     <a:ext uri="{9D8B030D-6E8A-4147-A177-3AD203B41FA5}">
                       <a16:colId xmlns:a16="http://schemas.microsoft.com/office/drawing/2014/main" val="1358785905"/>
                     </a:ext>
                   </a:extLst>
                 </a:gridCol>
-                <a:gridCol w="2252880">
+                <a:gridCol w="1752211">
                   <a:extLst>
                     <a:ext uri="{9D8B030D-6E8A-4147-A177-3AD203B41FA5}">
                       <a16:colId xmlns:a16="http://schemas.microsoft.com/office/drawing/2014/main" val="2714548382"/>
                     </a:ext>
                   </a:extLst>
                 </a:gridCol>
-                <a:gridCol w="2252880">
+                <a:gridCol w="1833466">
                   <a:extLst>
                     <a:ext uri="{9D8B030D-6E8A-4147-A177-3AD203B41FA5}">
                       <a16:colId xmlns:a16="http://schemas.microsoft.com/office/drawing/2014/main" val="3805824401"/>
@@ -5415,8 +5666,47 @@
                     <a:lstStyle/>
                     <a:p>
                       <a:r>
-                        <a:rPr lang="en-AU" sz="3200" dirty="0" smtClean="0"/>
+                        <a:rPr lang="en-AU" sz="3200" dirty="0"/>
                         <a:t>Population</a:t>
+                      </a:r>
+                    </a:p>
+                  </a:txBody>
+                  <a:tcPr/>
+                </a:tc>
+                <a:tc>
+                  <a:txBody>
+                    <a:bodyPr/>
+                    <a:lstStyle/>
+                    <a:p>
+                      <a:r>
+                        <a:rPr lang="en-AU" sz="3200" dirty="0"/>
+                        <a:t>Background</a:t>
+                      </a:r>
+                    </a:p>
+                  </a:txBody>
+                  <a:tcPr/>
+                </a:tc>
+                <a:tc>
+                  <a:txBody>
+                    <a:bodyPr/>
+                    <a:lstStyle/>
+                    <a:p>
+                      <a:r>
+                        <a:rPr lang="en-AU" sz="3200" dirty="0"/>
+                        <a:t>Compression</a:t>
+                      </a:r>
+                    </a:p>
+                  </a:txBody>
+                  <a:tcPr/>
+                </a:tc>
+                <a:tc>
+                  <a:txBody>
+                    <a:bodyPr/>
+                    <a:lstStyle/>
+                    <a:p>
+                      <a:r>
+                        <a:rPr lang="en-AU" sz="3200"/>
+                        <a:t>database</a:t>
                       </a:r>
                       <a:endParaRPr lang="en-AU" sz="3200" dirty="0"/>
                     </a:p>
@@ -5429,52 +5719,9 @@
                     <a:lstStyle/>
                     <a:p>
                       <a:r>
-                        <a:rPr lang="en-AU" sz="3200" dirty="0" smtClean="0"/>
-                        <a:t>Background</a:t>
-                      </a:r>
-                      <a:endParaRPr lang="en-AU" sz="3200" dirty="0"/>
-                    </a:p>
-                  </a:txBody>
-                  <a:tcPr/>
-                </a:tc>
-                <a:tc>
-                  <a:txBody>
-                    <a:bodyPr/>
-                    <a:lstStyle/>
-                    <a:p>
-                      <a:r>
-                        <a:rPr lang="en-AU" sz="3200" dirty="0" smtClean="0"/>
-                        <a:t>Compression</a:t>
-                      </a:r>
-                      <a:endParaRPr lang="en-AU" sz="3200" dirty="0"/>
-                    </a:p>
-                  </a:txBody>
-                  <a:tcPr/>
-                </a:tc>
-                <a:tc>
-                  <a:txBody>
-                    <a:bodyPr/>
-                    <a:lstStyle/>
-                    <a:p>
-                      <a:r>
-                        <a:rPr lang="en-AU" sz="3200" dirty="0" smtClean="0"/>
-                        <a:t>Shift</a:t>
-                      </a:r>
-                      <a:endParaRPr lang="en-AU" sz="3200" dirty="0"/>
-                    </a:p>
-                  </a:txBody>
-                  <a:tcPr/>
-                </a:tc>
-                <a:tc>
-                  <a:txBody>
-                    <a:bodyPr/>
-                    <a:lstStyle/>
-                    <a:p>
-                      <a:r>
-                        <a:rPr lang="en-AU" sz="3200" dirty="0" smtClean="0"/>
+                        <a:rPr lang="en-AU" sz="3200" dirty="0"/>
                         <a:t>Total</a:t>
                       </a:r>
-                      <a:endParaRPr lang="en-AU" sz="3200" dirty="0"/>
                     </a:p>
                   </a:txBody>
                   <a:tcPr/>
@@ -5492,8 +5739,25 @@
                     <a:lstStyle/>
                     <a:p>
                       <a:r>
-                        <a:rPr lang="en-AU" sz="3200" dirty="0" smtClean="0"/>
+                        <a:rPr lang="en-AU" sz="3200" dirty="0"/>
                         <a:t>Average</a:t>
+                      </a:r>
+                    </a:p>
+                  </a:txBody>
+                  <a:tcPr/>
+                </a:tc>
+                <a:tc>
+                  <a:txBody>
+                    <a:bodyPr/>
+                    <a:lstStyle/>
+                    <a:p>
+                      <a:r>
+                        <a:rPr lang="en-AU" sz="3200" dirty="0"/>
+                        <a:t>-1.5</a:t>
+                      </a:r>
+                      <a:r>
+                        <a:rPr lang="en-AU" sz="3200" baseline="0" dirty="0"/>
+                        <a:t> (-3.6)</a:t>
                       </a:r>
                       <a:endParaRPr lang="en-AU" sz="3200" dirty="0"/>
                     </a:p>
@@ -5506,26 +5770,9 @@
                     <a:lstStyle/>
                     <a:p>
                       <a:r>
-                        <a:rPr lang="en-AU" sz="3200" dirty="0" smtClean="0"/>
-                        <a:t>-</a:t>
+                        <a:rPr lang="en-AU" sz="3200" dirty="0"/>
+                        <a:t>0.1 (0.3)</a:t>
                       </a:r>
-                      <a:r>
-                        <a:rPr lang="en-AU" sz="3200" dirty="0" smtClean="0"/>
-                        <a:t>1.5</a:t>
-                      </a:r>
-                      <a:r>
-                        <a:rPr lang="en-AU" sz="3200" baseline="0" dirty="0" smtClean="0"/>
-                        <a:t> </a:t>
-                      </a:r>
-                      <a:r>
-                        <a:rPr lang="en-AU" sz="3200" baseline="0" dirty="0" smtClean="0"/>
-                        <a:t>(-</a:t>
-                      </a:r>
-                      <a:r>
-                        <a:rPr lang="en-AU" sz="3200" baseline="0" dirty="0" smtClean="0"/>
-                        <a:t>3.6)</a:t>
-                      </a:r>
-                      <a:endParaRPr lang="en-AU" sz="3200" dirty="0"/>
                     </a:p>
                   </a:txBody>
                   <a:tcPr/>
@@ -5536,18 +5783,9 @@
                     <a:lstStyle/>
                     <a:p>
                       <a:r>
-                        <a:rPr lang="en-AU" sz="3200" dirty="0" smtClean="0"/>
-                        <a:t>0.1 </a:t>
+                        <a:rPr lang="en-AU" sz="3200" dirty="0"/>
+                        <a:t>0.7 (-0.3)</a:t>
                       </a:r>
-                      <a:r>
-                        <a:rPr lang="en-AU" sz="3200" dirty="0" smtClean="0"/>
-                        <a:t>(</a:t>
-                      </a:r>
-                      <a:r>
-                        <a:rPr lang="en-AU" sz="3200" dirty="0" smtClean="0"/>
-                        <a:t>0.3)</a:t>
-                      </a:r>
-                      <a:endParaRPr lang="en-AU" sz="3200" dirty="0"/>
                     </a:p>
                   </a:txBody>
                   <a:tcPr/>
@@ -5558,44 +5796,9 @@
                     <a:lstStyle/>
                     <a:p>
                       <a:r>
-                        <a:rPr lang="en-AU" sz="3200" dirty="0" smtClean="0"/>
-                        <a:t>0.7 </a:t>
+                        <a:rPr lang="en-AU" sz="3200" dirty="0"/>
+                        <a:t>-0.6 (-3.7)</a:t>
                       </a:r>
-                      <a:r>
-                        <a:rPr lang="en-AU" sz="3200" dirty="0" smtClean="0"/>
-                        <a:t>(-</a:t>
-                      </a:r>
-                      <a:r>
-                        <a:rPr lang="en-AU" sz="3200" dirty="0" smtClean="0"/>
-                        <a:t>0.3)</a:t>
-                      </a:r>
-                      <a:endParaRPr lang="en-AU" sz="3200" dirty="0"/>
-                    </a:p>
-                  </a:txBody>
-                  <a:tcPr/>
-                </a:tc>
-                <a:tc>
-                  <a:txBody>
-                    <a:bodyPr/>
-                    <a:lstStyle/>
-                    <a:p>
-                      <a:r>
-                        <a:rPr lang="en-AU" sz="3200" dirty="0" smtClean="0"/>
-                        <a:t>-</a:t>
-                      </a:r>
-                      <a:r>
-                        <a:rPr lang="en-AU" sz="3200" dirty="0" smtClean="0"/>
-                        <a:t>0.6 </a:t>
-                      </a:r>
-                      <a:r>
-                        <a:rPr lang="en-AU" sz="3200" dirty="0" smtClean="0"/>
-                        <a:t>(-</a:t>
-                      </a:r>
-                      <a:r>
-                        <a:rPr lang="en-AU" sz="3200" dirty="0" smtClean="0"/>
-                        <a:t>3.7)</a:t>
-                      </a:r>
-                      <a:endParaRPr lang="en-AU" sz="3200" dirty="0"/>
                     </a:p>
                   </a:txBody>
                   <a:tcPr/>
@@ -5613,10 +5816,9 @@
                     <a:lstStyle/>
                     <a:p>
                       <a:r>
-                        <a:rPr lang="en-AU" sz="3200" dirty="0" smtClean="0"/>
+                        <a:rPr lang="en-AU" sz="3200" dirty="0"/>
                         <a:t>Blacks</a:t>
                       </a:r>
-                      <a:endParaRPr lang="en-AU" sz="3200" dirty="0"/>
                     </a:p>
                   </a:txBody>
                   <a:tcPr/>
@@ -5627,14 +5829,9 @@
                     <a:lstStyle/>
                     <a:p>
                       <a:r>
-                        <a:rPr lang="en-AU" sz="3200" dirty="0" smtClean="0"/>
-                        <a:t>-</a:t>
+                        <a:rPr lang="en-AU" sz="3200" dirty="0"/>
+                        <a:t>-1.2 (-3.0)</a:t>
                       </a:r>
-                      <a:r>
-                        <a:rPr lang="en-AU" sz="3200" dirty="0" smtClean="0"/>
-                        <a:t>1.2 (-3.0)</a:t>
-                      </a:r>
-                      <a:endParaRPr lang="en-AU" sz="3200" dirty="0"/>
                     </a:p>
                   </a:txBody>
                   <a:tcPr/>
@@ -5645,14 +5842,9 @@
                     <a:lstStyle/>
                     <a:p>
                       <a:r>
-                        <a:rPr lang="en-AU" sz="3200" dirty="0" smtClean="0"/>
-                        <a:t>-</a:t>
+                        <a:rPr lang="en-AU" sz="3200" dirty="0"/>
+                        <a:t>-0.3 (0)</a:t>
                       </a:r>
-                      <a:r>
-                        <a:rPr lang="en-AU" sz="3200" dirty="0" smtClean="0"/>
-                        <a:t>0.3 (0)</a:t>
-                      </a:r>
-                      <a:endParaRPr lang="en-AU" sz="3200" dirty="0"/>
                     </a:p>
                   </a:txBody>
                   <a:tcPr/>
@@ -5663,18 +5855,9 @@
                     <a:lstStyle/>
                     <a:p>
                       <a:r>
-                        <a:rPr lang="en-AU" sz="3200" dirty="0" smtClean="0"/>
-                        <a:t>0.7 </a:t>
+                        <a:rPr lang="en-AU" sz="3200" dirty="0"/>
+                        <a:t>0.7 (-1.8)</a:t>
                       </a:r>
-                      <a:r>
-                        <a:rPr lang="en-AU" sz="3200" dirty="0" smtClean="0"/>
-                        <a:t>(-</a:t>
-                      </a:r>
-                      <a:r>
-                        <a:rPr lang="en-AU" sz="3200" dirty="0" smtClean="0"/>
-                        <a:t>1.8)</a:t>
-                      </a:r>
-                      <a:endParaRPr lang="en-AU" sz="3200" dirty="0"/>
                     </a:p>
                   </a:txBody>
                   <a:tcPr/>
@@ -5685,22 +5868,9 @@
                     <a:lstStyle/>
                     <a:p>
                       <a:r>
-                        <a:rPr lang="en-AU" sz="3200" dirty="0" smtClean="0"/>
-                        <a:t>-</a:t>
+                        <a:rPr lang="en-AU" sz="3200" dirty="0"/>
+                        <a:t>-0.8 (-4.8)</a:t>
                       </a:r>
-                      <a:r>
-                        <a:rPr lang="en-AU" sz="3200" dirty="0" smtClean="0"/>
-                        <a:t>0.8 </a:t>
-                      </a:r>
-                      <a:r>
-                        <a:rPr lang="en-AU" sz="3200" dirty="0" smtClean="0"/>
-                        <a:t>(-</a:t>
-                      </a:r>
-                      <a:r>
-                        <a:rPr lang="en-AU" sz="3200" dirty="0" smtClean="0"/>
-                        <a:t>4.8)</a:t>
-                      </a:r>
-                      <a:endParaRPr lang="en-AU" sz="3200" dirty="0"/>
                     </a:p>
                   </a:txBody>
                   <a:tcPr/>
@@ -5718,11 +5888,11 @@
                     <a:lstStyle/>
                     <a:p>
                       <a:r>
-                        <a:rPr lang="en-AU" sz="3200" dirty="0" smtClean="0"/>
+                        <a:rPr lang="en-AU" sz="3200" dirty="0"/>
                         <a:t>Non-Hispanic</a:t>
                       </a:r>
                       <a:r>
-                        <a:rPr lang="en-AU" sz="3200" baseline="0" dirty="0" smtClean="0"/>
+                        <a:rPr lang="en-AU" sz="3200" baseline="0" dirty="0"/>
                         <a:t> Whites </a:t>
                       </a:r>
                       <a:endParaRPr lang="en-AU" sz="3200" dirty="0"/>
@@ -5736,20 +5906,12 @@
                     <a:lstStyle/>
                     <a:p>
                       <a:r>
-                        <a:rPr lang="en-AU" sz="3200" dirty="0" smtClean="0"/>
-                        <a:t>-</a:t>
+                        <a:rPr lang="en-AU" sz="3200" dirty="0"/>
+                        <a:t>-1.8</a:t>
                       </a:r>
                       <a:r>
-                        <a:rPr lang="en-AU" sz="3200" dirty="0" smtClean="0"/>
-                        <a:t>1.8</a:t>
-                      </a:r>
-                      <a:r>
-                        <a:rPr lang="en-AU" sz="3200" baseline="0" dirty="0" smtClean="0"/>
-                        <a:t> </a:t>
-                      </a:r>
-                      <a:r>
-                        <a:rPr lang="en-AU" sz="3200" baseline="0" dirty="0" smtClean="0"/>
-                        <a:t>(-4.3)</a:t>
+                        <a:rPr lang="en-AU" sz="3200" baseline="0" dirty="0"/>
+                        <a:t> (-4.3)</a:t>
                       </a:r>
                       <a:endParaRPr lang="en-AU" sz="3200" dirty="0"/>
                     </a:p>
@@ -5762,18 +5924,9 @@
                     <a:lstStyle/>
                     <a:p>
                       <a:r>
-                        <a:rPr lang="en-AU" sz="3200" dirty="0" smtClean="0"/>
-                        <a:t>0.2 </a:t>
+                        <a:rPr lang="en-AU" sz="3200" dirty="0"/>
+                        <a:t>0.2 (0.5)</a:t>
                       </a:r>
-                      <a:r>
-                        <a:rPr lang="en-AU" sz="3200" dirty="0" smtClean="0"/>
-                        <a:t>(</a:t>
-                      </a:r>
-                      <a:r>
-                        <a:rPr lang="en-AU" sz="3200" dirty="0" smtClean="0"/>
-                        <a:t>0.5)</a:t>
-                      </a:r>
-                      <a:endParaRPr lang="en-AU" sz="3200" dirty="0"/>
                     </a:p>
                   </a:txBody>
                   <a:tcPr/>
@@ -5784,18 +5937,9 @@
                     <a:lstStyle/>
                     <a:p>
                       <a:r>
-                        <a:rPr lang="en-AU" sz="3200" dirty="0" smtClean="0"/>
-                        <a:t>0.7 </a:t>
+                        <a:rPr lang="en-AU" sz="3200" dirty="0"/>
+                        <a:t>0.7 (0.1)</a:t>
                       </a:r>
-                      <a:r>
-                        <a:rPr lang="en-AU" sz="3200" dirty="0" smtClean="0"/>
-                        <a:t>(</a:t>
-                      </a:r>
-                      <a:r>
-                        <a:rPr lang="en-AU" sz="3200" dirty="0" smtClean="0"/>
-                        <a:t>0.1)</a:t>
-                      </a:r>
-                      <a:endParaRPr lang="en-AU" sz="3200" dirty="0"/>
                     </a:p>
                   </a:txBody>
                   <a:tcPr/>
@@ -5806,14 +5950,9 @@
                     <a:lstStyle/>
                     <a:p>
                       <a:r>
-                        <a:rPr lang="en-AU" sz="3200" dirty="0" smtClean="0"/>
-                        <a:t>-1.0 </a:t>
+                        <a:rPr lang="en-AU" sz="3200" dirty="0"/>
+                        <a:t>-1.0 (-3.7)</a:t>
                       </a:r>
-                      <a:r>
-                        <a:rPr lang="en-AU" sz="3200" dirty="0" smtClean="0"/>
-                        <a:t>(-3.7)</a:t>
-                      </a:r>
-                      <a:endParaRPr lang="en-AU" sz="3200" dirty="0"/>
                     </a:p>
                   </a:txBody>
                   <a:tcPr/>
@@ -5831,10 +5970,9 @@
                     <a:lstStyle/>
                     <a:p>
                       <a:r>
-                        <a:rPr lang="en-AU" sz="3200" dirty="0" smtClean="0"/>
+                        <a:rPr lang="en-AU" sz="3200" dirty="0"/>
                         <a:t>Native Americans</a:t>
                       </a:r>
-                      <a:endParaRPr lang="en-AU" sz="3200" dirty="0"/>
                     </a:p>
                   </a:txBody>
                   <a:tcPr/>
@@ -5845,22 +5983,9 @@
                     <a:lstStyle/>
                     <a:p>
                       <a:r>
-                        <a:rPr lang="en-AU" sz="3200" dirty="0" smtClean="0"/>
-                        <a:t>-</a:t>
+                        <a:rPr lang="en-AU" sz="3200" dirty="0"/>
+                        <a:t>-1.8 (-3.3)</a:t>
                       </a:r>
-                      <a:r>
-                        <a:rPr lang="en-AU" sz="3200" dirty="0" smtClean="0"/>
-                        <a:t>1.8 </a:t>
-                      </a:r>
-                      <a:r>
-                        <a:rPr lang="en-AU" sz="3200" dirty="0" smtClean="0"/>
-                        <a:t>(-</a:t>
-                      </a:r>
-                      <a:r>
-                        <a:rPr lang="en-AU" sz="3200" dirty="0" smtClean="0"/>
-                        <a:t>3.3)</a:t>
-                      </a:r>
-                      <a:endParaRPr lang="en-AU" sz="3200" dirty="0"/>
                     </a:p>
                   </a:txBody>
                   <a:tcPr/>
@@ -5871,22 +5996,9 @@
                     <a:lstStyle/>
                     <a:p>
                       <a:r>
-                        <a:rPr lang="en-AU" sz="3200" dirty="0" smtClean="0"/>
-                        <a:t>-</a:t>
+                        <a:rPr lang="en-AU" sz="3200" dirty="0"/>
+                        <a:t>-0.4 (-0.8)</a:t>
                       </a:r>
-                      <a:r>
-                        <a:rPr lang="en-AU" sz="3200" dirty="0" smtClean="0"/>
-                        <a:t>0.4 </a:t>
-                      </a:r>
-                      <a:r>
-                        <a:rPr lang="en-AU" sz="3200" dirty="0" smtClean="0"/>
-                        <a:t>(-</a:t>
-                      </a:r>
-                      <a:r>
-                        <a:rPr lang="en-AU" sz="3200" dirty="0" smtClean="0"/>
-                        <a:t>0.8)</a:t>
-                      </a:r>
-                      <a:endParaRPr lang="en-AU" sz="3200" dirty="0"/>
                     </a:p>
                   </a:txBody>
                   <a:tcPr/>
@@ -5897,18 +6009,9 @@
                     <a:lstStyle/>
                     <a:p>
                       <a:r>
-                        <a:rPr lang="en-AU" sz="3200" dirty="0" smtClean="0"/>
-                        <a:t>1.5 </a:t>
+                        <a:rPr lang="en-AU" sz="3200" dirty="0"/>
+                        <a:t>1.5 (-1.1)</a:t>
                       </a:r>
-                      <a:r>
-                        <a:rPr lang="en-AU" sz="3200" dirty="0" smtClean="0"/>
-                        <a:t>(-</a:t>
-                      </a:r>
-                      <a:r>
-                        <a:rPr lang="en-AU" sz="3200" dirty="0" smtClean="0"/>
-                        <a:t>1.1)</a:t>
-                      </a:r>
-                      <a:endParaRPr lang="en-AU" sz="3200" dirty="0"/>
                     </a:p>
                   </a:txBody>
                   <a:tcPr/>
@@ -5919,10 +6022,9 @@
                     <a:lstStyle/>
                     <a:p>
                       <a:r>
-                        <a:rPr lang="en-AU" sz="3200" dirty="0" smtClean="0"/>
+                        <a:rPr lang="en-AU" sz="3200" dirty="0"/>
                         <a:t>-0.7 (-5.1)</a:t>
                       </a:r>
-                      <a:endParaRPr lang="en-AU" sz="3200" dirty="0"/>
                     </a:p>
                   </a:txBody>
                   <a:tcPr/>
@@ -5945,7 +6047,7 @@
         </p:nvSpPr>
         <p:spPr>
           <a:xfrm>
-            <a:off x="315097" y="5827376"/>
+            <a:off x="315095" y="5035198"/>
             <a:ext cx="11553569" cy="523220"/>
           </a:xfrm>
           <a:prstGeom prst="rect">
@@ -5960,10 +6062,9 @@
           <a:lstStyle/>
           <a:p>
             <a:r>
-              <a:rPr lang="en-AU" sz="2800" dirty="0" smtClean="0"/>
+              <a:rPr lang="en-AU" sz="2800" dirty="0"/>
               <a:t>* Parenthesis marks the 2011-2020 level, while the text marks 2011-2019 level</a:t>
             </a:r>
-            <a:endParaRPr lang="en-AU" sz="2800" dirty="0"/>
           </a:p>
         </p:txBody>
       </p:sp>
@@ -5977,13 +6078,6 @@
   <p:clrMapOvr>
     <a:masterClrMapping/>
   </p:clrMapOvr>
-  <p:timing>
-    <p:tnLst>
-      <p:par>
-        <p:cTn id="1" dur="indefinite" restart="never" nodeType="tmRoot"/>
-      </p:par>
-    </p:tnLst>
-  </p:timing>
 </p:sld>
 </file>
 
@@ -6027,10 +6121,9 @@
           <a:lstStyle/>
           <a:p>
             <a:r>
-              <a:rPr lang="en-AU" sz="4000" dirty="0" smtClean="0"/>
+              <a:rPr lang="en-AU" sz="4000" dirty="0"/>
               <a:t>Discussion</a:t>
             </a:r>
-            <a:endParaRPr lang="en-AU" sz="4000" dirty="0"/>
           </a:p>
         </p:txBody>
       </p:sp>
@@ -6061,15 +6154,15 @@
               <a:buAutoNum type="arabicPeriod"/>
             </a:pPr>
             <a:r>
-              <a:rPr lang="en-AU" sz="3200" dirty="0" smtClean="0"/>
+              <a:rPr lang="en-AU" sz="3200" dirty="0"/>
               <a:t>Mortality inequalities across different races, especially during 1</a:t>
             </a:r>
             <a:r>
-              <a:rPr lang="en-AU" sz="3200" baseline="30000" dirty="0" smtClean="0"/>
+              <a:rPr lang="en-AU" sz="3200" baseline="30000" dirty="0"/>
               <a:t>st</a:t>
             </a:r>
             <a:r>
-              <a:rPr lang="en-AU" sz="3200" dirty="0" smtClean="0"/>
+              <a:rPr lang="en-AU" sz="3200" dirty="0"/>
               <a:t> year of COVID-19 pandemic.</a:t>
             </a:r>
           </a:p>
@@ -6079,16 +6172,8 @@
               <a:buAutoNum type="arabicPeriod"/>
             </a:pPr>
             <a:r>
-              <a:rPr lang="en-AU" sz="3200" dirty="0" smtClean="0"/>
-              <a:t>Positive future for longevity growth (shift component), however,</a:t>
-            </a:r>
-            <a:r>
               <a:rPr lang="en-AU" sz="3200" dirty="0"/>
-              <a:t> </a:t>
-            </a:r>
-            <a:r>
-              <a:rPr lang="en-AU" sz="3200" dirty="0" smtClean="0"/>
-              <a:t>there are big setbacks from younger age mortality (age -independent). </a:t>
+              <a:t>Positive future for longevity growth (shift component), however, there are big setbacks from younger age mortality (age -independent). </a:t>
             </a:r>
           </a:p>
         </p:txBody>
@@ -6116,10 +6201,9 @@
           <a:lstStyle/>
           <a:p>
             <a:r>
-              <a:rPr lang="en-AU" sz="4000" dirty="0" smtClean="0"/>
+              <a:rPr lang="en-AU" sz="4000" dirty="0"/>
               <a:t>Shortcomings </a:t>
             </a:r>
-            <a:endParaRPr lang="en-AU" sz="4000" dirty="0"/>
           </a:p>
         </p:txBody>
       </p:sp>
@@ -6150,7 +6234,7 @@
               <a:buAutoNum type="arabicPeriod"/>
             </a:pPr>
             <a:r>
-              <a:rPr lang="en-AU" sz="3200" dirty="0" smtClean="0"/>
+              <a:rPr lang="en-AU" sz="3200" dirty="0"/>
               <a:t>Discrepancies caused by grouping of the race/ethnicity, and under counting of deaths in CDC compared to HMD (Categorical error)</a:t>
             </a:r>
           </a:p>
@@ -6160,7 +6244,7 @@
               <a:buAutoNum type="arabicPeriod"/>
             </a:pPr>
             <a:r>
-              <a:rPr lang="en-AU" sz="3200" dirty="0" smtClean="0"/>
+              <a:rPr lang="en-AU" sz="3200" dirty="0"/>
               <a:t>Relative simplistic parametric model, more complexity will infer more insights</a:t>
             </a:r>
           </a:p>
@@ -6183,13 +6267,6 @@
   <p:clrMapOvr>
     <a:masterClrMapping/>
   </p:clrMapOvr>
-  <p:timing>
-    <p:tnLst>
-      <p:par>
-        <p:cTn id="1" dur="indefinite" restart="never" nodeType="tmRoot"/>
-      </p:par>
-    </p:tnLst>
-  </p:timing>
 </p:sld>
 </file>
 
@@ -6716,6 +6793,12 @@
 </file>
 
 <file path=customXml/item1.xml><?xml version="1.0" encoding="utf-8"?>
+<p:properties xmlns:p="http://schemas.microsoft.com/office/2006/metadata/properties" xmlns:xsi="http://www.w3.org/2001/XMLSchema-instance" xmlns:pc="http://schemas.microsoft.com/office/infopath/2007/PartnerControls">
+  <documentManagement/>
+</p:properties>
+</file>
+
+<file path=customXml/item2.xml><?xml version="1.0" encoding="utf-8"?>
 <ct:contentTypeSchema xmlns:ct="http://schemas.microsoft.com/office/2006/metadata/contentType" xmlns:ma="http://schemas.microsoft.com/office/2006/metadata/properties/metaAttributes" ct:_="" ma:_="" ma:contentTypeName="Document" ma:contentTypeID="0x01010012E75B0658E82B49A38424242DBA1191" ma:contentTypeVersion="14" ma:contentTypeDescription="Create a new document." ma:contentTypeScope="" ma:versionID="75c26b3e762def0c1bc78da5381f0c60">
   <xsd:schema xmlns:xsd="http://www.w3.org/2001/XMLSchema" xmlns:xs="http://www.w3.org/2001/XMLSchema" xmlns:p="http://schemas.microsoft.com/office/2006/metadata/properties" xmlns:ns3="73f003a7-629a-4f02-8555-ef0b17be2ef2" xmlns:ns4="8aaeb60a-409c-4bd1-81ca-349a8d94c5f6" targetNamespace="http://schemas.microsoft.com/office/2006/metadata/properties" ma:root="true" ma:fieldsID="b1fa0f0691afdbca61c8135093e84c2e" ns3:_="" ns4:_="">
     <xsd:import namespace="73f003a7-629a-4f02-8555-ef0b17be2ef2"/>
@@ -6944,12 +7027,6 @@
 </ct:contentTypeSchema>
 </file>
 
-<file path=customXml/item2.xml><?xml version="1.0" encoding="utf-8"?>
-<p:properties xmlns:p="http://schemas.microsoft.com/office/2006/metadata/properties" xmlns:xsi="http://www.w3.org/2001/XMLSchema-instance" xmlns:pc="http://schemas.microsoft.com/office/infopath/2007/PartnerControls">
-  <documentManagement/>
-</p:properties>
-</file>
-
 <file path=customXml/item3.xml><?xml version="1.0" encoding="utf-8"?>
 <?mso-contentType ?>
 <FormTemplates xmlns="http://schemas.microsoft.com/sharepoint/v3/contenttype/forms">
@@ -6960,37 +7037,23 @@
 </file>
 
 <file path=customXml/itemProps1.xml><?xml version="1.0" encoding="utf-8"?>
-<ds:datastoreItem xmlns:ds="http://schemas.openxmlformats.org/officeDocument/2006/customXml" ds:itemID="{C62200E5-ED34-4119-AD64-997F6468F5A2}">
+<ds:datastoreItem xmlns:ds="http://schemas.openxmlformats.org/officeDocument/2006/customXml" ds:itemID="{4B6F0C34-6479-44C8-AEF6-48F52AA91938}">
   <ds:schemaRefs>
-    <ds:schemaRef ds:uri="http://schemas.microsoft.com/office/2006/metadata/contentType"/>
-    <ds:schemaRef ds:uri="http://schemas.microsoft.com/office/2006/metadata/properties/metaAttributes"/>
-    <ds:schemaRef ds:uri="http://www.w3.org/2001/XMLSchema"/>
     <ds:schemaRef ds:uri="http://schemas.microsoft.com/office/2006/metadata/properties"/>
-    <ds:schemaRef ds:uri="73f003a7-629a-4f02-8555-ef0b17be2ef2"/>
-    <ds:schemaRef ds:uri="8aaeb60a-409c-4bd1-81ca-349a8d94c5f6"/>
-    <ds:schemaRef ds:uri="http://schemas.microsoft.com/office/2006/documentManagement/types"/>
-    <ds:schemaRef ds:uri="http://schemas.microsoft.com/office/infopath/2007/PartnerControls"/>
-    <ds:schemaRef ds:uri="http://schemas.openxmlformats.org/package/2006/metadata/core-properties"/>
-    <ds:schemaRef ds:uri="http://purl.org/dc/elements/1.1/"/>
-    <ds:schemaRef ds:uri="http://purl.org/dc/terms/"/>
-    <ds:schemaRef ds:uri="http://schemas.microsoft.com/internal/obd"/>
+    <ds:schemaRef ds:uri="http://www.w3.org/2000/xmlns/"/>
   </ds:schemaRefs>
 </ds:datastoreItem>
 </file>
 
 <file path=customXml/itemProps2.xml><?xml version="1.0" encoding="utf-8"?>
-<ds:datastoreItem xmlns:ds="http://schemas.openxmlformats.org/officeDocument/2006/customXml" ds:itemID="{4B6F0C34-6479-44C8-AEF6-48F52AA91938}">
+<ds:datastoreItem xmlns:ds="http://schemas.openxmlformats.org/officeDocument/2006/customXml" ds:itemID="{C62200E5-ED34-4119-AD64-997F6468F5A2}">
   <ds:schemaRefs>
-    <ds:schemaRef ds:uri="http://schemas.microsoft.com/office/2006/documentManagement/types"/>
-    <ds:schemaRef ds:uri="http://schemas.microsoft.com/office/infopath/2007/PartnerControls"/>
-    <ds:schemaRef ds:uri="http://purl.org/dc/elements/1.1/"/>
-    <ds:schemaRef ds:uri="http://schemas.microsoft.com/office/2006/metadata/properties"/>
+    <ds:schemaRef ds:uri="http://schemas.microsoft.com/office/2006/metadata/contentType"/>
+    <ds:schemaRef ds:uri="http://schemas.microsoft.com/office/2006/metadata/properties/metaAttributes"/>
+    <ds:schemaRef ds:uri="http://www.w3.org/2000/xmlns/"/>
+    <ds:schemaRef ds:uri="http://www.w3.org/2001/XMLSchema"/>
+    <ds:schemaRef ds:uri="73f003a7-629a-4f02-8555-ef0b17be2ef2"/>
     <ds:schemaRef ds:uri="8aaeb60a-409c-4bd1-81ca-349a8d94c5f6"/>
-    <ds:schemaRef ds:uri="http://purl.org/dc/terms/"/>
-    <ds:schemaRef ds:uri="73f003a7-629a-4f02-8555-ef0b17be2ef2"/>
-    <ds:schemaRef ds:uri="http://schemas.openxmlformats.org/package/2006/metadata/core-properties"/>
-    <ds:schemaRef ds:uri="http://www.w3.org/XML/1998/namespace"/>
-    <ds:schemaRef ds:uri="http://purl.org/dc/dcmitype/"/>
   </ds:schemaRefs>
 </ds:datastoreItem>
 </file>

--- a/What Changes in Life expectancy reveals about US.pptx
+++ b/What Changes in Life expectancy reveals about US.pptx
@@ -389,7 +389,7 @@
           <a:p>
             <a:fld id="{738373FB-123C-4991-9852-83FDD59CC9FA}" type="datetimeFigureOut">
               <a:rPr lang="en-AU" smtClean="0"/>
-              <a:t>10/10/2022</a:t>
+              <a:t>11/10/2022</a:t>
             </a:fld>
             <a:endParaRPr lang="en-AU"/>
           </a:p>
@@ -701,11 +701,7 @@
           <a:bodyPr/>
           <a:lstStyle/>
           <a:p>
-            <a:r>
-              <a:rPr lang="en-AU"/>
-              <a:t>S</a:t>
-            </a:r>
-            <a:endParaRPr lang="en-US"/>
+            <a:endParaRPr lang="en-US" dirty="0"/>
           </a:p>
         </p:txBody>
       </p:sp>
@@ -810,6 +806,90 @@
           <a:p>
             <a:fld id="{40C07B1C-6B5A-4B10-979F-5141DDCC12CD}" type="slidenum">
               <a:rPr lang="en-AU" smtClean="0"/>
+              <a:t>6</a:t>
+            </a:fld>
+            <a:endParaRPr lang="en-AU"/>
+          </a:p>
+        </p:txBody>
+      </p:sp>
+    </p:spTree>
+    <p:extLst>
+      <p:ext uri="{BB962C8B-B14F-4D97-AF65-F5344CB8AC3E}">
+        <p14:creationId xmlns:p14="http://schemas.microsoft.com/office/powerpoint/2010/main" val="880958994"/>
+      </p:ext>
+    </p:extLst>
+  </p:cSld>
+  <p:clrMapOvr>
+    <a:masterClrMapping/>
+  </p:clrMapOvr>
+</p:notes>
+</file>
+
+<file path=ppt/notesSlides/notesSlide3.xml><?xml version="1.0" encoding="utf-8"?>
+<p:notes xmlns:a="http://schemas.openxmlformats.org/drawingml/2006/main" xmlns:r="http://schemas.openxmlformats.org/officeDocument/2006/relationships" xmlns:p="http://schemas.openxmlformats.org/presentationml/2006/main">
+  <p:cSld>
+    <p:spTree>
+      <p:nvGrpSpPr>
+        <p:cNvPr id="1" name=""/>
+        <p:cNvGrpSpPr/>
+        <p:nvPr/>
+      </p:nvGrpSpPr>
+      <p:grpSpPr>
+        <a:xfrm>
+          <a:off x="0" y="0"/>
+          <a:ext cx="0" cy="0"/>
+          <a:chOff x="0" y="0"/>
+          <a:chExt cx="0" cy="0"/>
+        </a:xfrm>
+      </p:grpSpPr>
+      <p:sp>
+        <p:nvSpPr>
+          <p:cNvPr id="2" name="Slide Image Placeholder 1"/>
+          <p:cNvSpPr>
+            <a:spLocks noGrp="1" noRot="1" noChangeAspect="1"/>
+          </p:cNvSpPr>
+          <p:nvPr>
+            <p:ph type="sldImg"/>
+          </p:nvPr>
+        </p:nvSpPr>
+        <p:spPr/>
+      </p:sp>
+      <p:sp>
+        <p:nvSpPr>
+          <p:cNvPr id="3" name="Notes Placeholder 2"/>
+          <p:cNvSpPr>
+            <a:spLocks noGrp="1"/>
+          </p:cNvSpPr>
+          <p:nvPr>
+            <p:ph type="body" idx="1"/>
+          </p:nvPr>
+        </p:nvSpPr>
+        <p:spPr/>
+        <p:txBody>
+          <a:bodyPr/>
+          <a:lstStyle/>
+          <a:p>
+            <a:endParaRPr lang="en-AU" dirty="0"/>
+          </a:p>
+        </p:txBody>
+      </p:sp>
+      <p:sp>
+        <p:nvSpPr>
+          <p:cNvPr id="4" name="Slide Number Placeholder 3"/>
+          <p:cNvSpPr>
+            <a:spLocks noGrp="1"/>
+          </p:cNvSpPr>
+          <p:nvPr>
+            <p:ph type="sldNum" sz="quarter" idx="10"/>
+          </p:nvPr>
+        </p:nvSpPr>
+        <p:spPr/>
+        <p:txBody>
+          <a:bodyPr/>
+          <a:lstStyle/>
+          <a:p>
+            <a:fld id="{40C07B1C-6B5A-4B10-979F-5141DDCC12CD}" type="slidenum">
+              <a:rPr lang="en-AU" smtClean="0"/>
               <a:t>7</a:t>
             </a:fld>
             <a:endParaRPr lang="en-AU"/>
@@ -829,7 +909,7 @@
 </p:notes>
 </file>
 
-<file path=ppt/notesSlides/notesSlide3.xml><?xml version="1.0" encoding="utf-8"?>
+<file path=ppt/notesSlides/notesSlide4.xml><?xml version="1.0" encoding="utf-8"?>
 <p:notes xmlns:a="http://schemas.openxmlformats.org/drawingml/2006/main" xmlns:r="http://schemas.openxmlformats.org/officeDocument/2006/relationships" xmlns:p="http://schemas.openxmlformats.org/presentationml/2006/main">
   <p:cSld>
     <p:spTree>
@@ -1082,7 +1162,7 @@
           <a:p>
             <a:fld id="{CBA96FD4-09ED-416D-B4DD-B5C8FAC89030}" type="datetimeFigureOut">
               <a:rPr lang="en-AU" smtClean="0"/>
-              <a:t>10/10/2022</a:t>
+              <a:t>11/10/2022</a:t>
             </a:fld>
             <a:endParaRPr lang="en-AU"/>
           </a:p>
@@ -1252,7 +1332,7 @@
           <a:p>
             <a:fld id="{CBA96FD4-09ED-416D-B4DD-B5C8FAC89030}" type="datetimeFigureOut">
               <a:rPr lang="en-AU" smtClean="0"/>
-              <a:t>10/10/2022</a:t>
+              <a:t>11/10/2022</a:t>
             </a:fld>
             <a:endParaRPr lang="en-AU"/>
           </a:p>
@@ -1432,7 +1512,7 @@
           <a:p>
             <a:fld id="{CBA96FD4-09ED-416D-B4DD-B5C8FAC89030}" type="datetimeFigureOut">
               <a:rPr lang="en-AU" smtClean="0"/>
-              <a:t>10/10/2022</a:t>
+              <a:t>11/10/2022</a:t>
             </a:fld>
             <a:endParaRPr lang="en-AU"/>
           </a:p>
@@ -1602,7 +1682,7 @@
           <a:p>
             <a:fld id="{CBA96FD4-09ED-416D-B4DD-B5C8FAC89030}" type="datetimeFigureOut">
               <a:rPr lang="en-AU" smtClean="0"/>
-              <a:t>10/10/2022</a:t>
+              <a:t>11/10/2022</a:t>
             </a:fld>
             <a:endParaRPr lang="en-AU"/>
           </a:p>
@@ -1848,7 +1928,7 @@
           <a:p>
             <a:fld id="{CBA96FD4-09ED-416D-B4DD-B5C8FAC89030}" type="datetimeFigureOut">
               <a:rPr lang="en-AU" smtClean="0"/>
-              <a:t>10/10/2022</a:t>
+              <a:t>11/10/2022</a:t>
             </a:fld>
             <a:endParaRPr lang="en-AU"/>
           </a:p>
@@ -2080,7 +2160,7 @@
           <a:p>
             <a:fld id="{CBA96FD4-09ED-416D-B4DD-B5C8FAC89030}" type="datetimeFigureOut">
               <a:rPr lang="en-AU" smtClean="0"/>
-              <a:t>10/10/2022</a:t>
+              <a:t>11/10/2022</a:t>
             </a:fld>
             <a:endParaRPr lang="en-AU"/>
           </a:p>
@@ -2447,7 +2527,7 @@
           <a:p>
             <a:fld id="{CBA96FD4-09ED-416D-B4DD-B5C8FAC89030}" type="datetimeFigureOut">
               <a:rPr lang="en-AU" smtClean="0"/>
-              <a:t>10/10/2022</a:t>
+              <a:t>11/10/2022</a:t>
             </a:fld>
             <a:endParaRPr lang="en-AU"/>
           </a:p>
@@ -2565,7 +2645,7 @@
           <a:p>
             <a:fld id="{CBA96FD4-09ED-416D-B4DD-B5C8FAC89030}" type="datetimeFigureOut">
               <a:rPr lang="en-AU" smtClean="0"/>
-              <a:t>10/10/2022</a:t>
+              <a:t>11/10/2022</a:t>
             </a:fld>
             <a:endParaRPr lang="en-AU"/>
           </a:p>
@@ -2660,7 +2740,7 @@
           <a:p>
             <a:fld id="{CBA96FD4-09ED-416D-B4DD-B5C8FAC89030}" type="datetimeFigureOut">
               <a:rPr lang="en-AU" smtClean="0"/>
-              <a:t>10/10/2022</a:t>
+              <a:t>11/10/2022</a:t>
             </a:fld>
             <a:endParaRPr lang="en-AU"/>
           </a:p>
@@ -2937,7 +3017,7 @@
           <a:p>
             <a:fld id="{CBA96FD4-09ED-416D-B4DD-B5C8FAC89030}" type="datetimeFigureOut">
               <a:rPr lang="en-AU" smtClean="0"/>
-              <a:t>10/10/2022</a:t>
+              <a:t>11/10/2022</a:t>
             </a:fld>
             <a:endParaRPr lang="en-AU"/>
           </a:p>
@@ -3190,7 +3270,7 @@
           <a:p>
             <a:fld id="{CBA96FD4-09ED-416D-B4DD-B5C8FAC89030}" type="datetimeFigureOut">
               <a:rPr lang="en-AU" smtClean="0"/>
-              <a:t>10/10/2022</a:t>
+              <a:t>11/10/2022</a:t>
             </a:fld>
             <a:endParaRPr lang="en-AU"/>
           </a:p>
@@ -3403,7 +3483,7 @@
           <a:p>
             <a:fld id="{CBA96FD4-09ED-416D-B4DD-B5C8FAC89030}" type="datetimeFigureOut">
               <a:rPr lang="en-AU" smtClean="0"/>
-              <a:t>10/10/2022</a:t>
+              <a:t>11/10/2022</a:t>
             </a:fld>
             <a:endParaRPr lang="en-AU"/>
           </a:p>
@@ -3832,15 +3912,15 @@
           <a:p>
             <a:r>
               <a:rPr lang="en-AU" sz="3600" b="1" dirty="0"/>
-              <a:t>What Changes in Life </a:t>
-            </a:r>
-            <a:r>
-              <a:rPr lang="en-AU" sz="3600" b="1"/>
-              <a:t>expectancy 2011-2020 reveal about </a:t>
+              <a:t>What </a:t>
+            </a:r>
+            <a:r>
+              <a:rPr lang="en-AU" sz="3600" b="1" dirty="0" smtClean="0"/>
+              <a:t>changes </a:t>
             </a:r>
             <a:r>
               <a:rPr lang="en-AU" sz="3600" b="1" dirty="0"/>
-              <a:t>US racial mortality inequality</a:t>
+              <a:t>in Life expectancy 2011-2020 reveal about US racial mortality inequality</a:t>
             </a:r>
           </a:p>
         </p:txBody>
@@ -4110,7 +4190,7 @@
             </p:nvSpPr>
             <p:spPr>
               <a:xfrm>
-                <a:off x="2258568" y="829754"/>
+                <a:off x="-255781" y="784514"/>
                 <a:ext cx="4974336" cy="1159485"/>
               </a:xfrm>
               <a:prstGeom prst="rect">
@@ -4224,94 +4304,6 @@
                             </a:rPr>
                             <m:t>𝑑𝑥</m:t>
                           </m:r>
-                          <m:r>
-                            <a:rPr lang="en-AU" sz="3200" b="0" i="1" smtClean="0">
-                              <a:latin typeface="Cambria Math" panose="02040503050406030204" pitchFamily="18" charset="0"/>
-                            </a:rPr>
-                            <m:t>=</m:t>
-                          </m:r>
-                          <m:nary>
-                            <m:naryPr>
-                              <m:ctrlPr>
-                                <a:rPr lang="en-AU" sz="3200" b="0" i="1" smtClean="0">
-                                  <a:latin typeface="Cambria Math" panose="02040503050406030204" pitchFamily="18" charset="0"/>
-                                </a:rPr>
-                              </m:ctrlPr>
-                            </m:naryPr>
-                            <m:sub>
-                              <m:r>
-                                <a:rPr lang="en-AU" sz="3200" b="0" i="1" smtClean="0">
-                                  <a:latin typeface="Cambria Math" panose="02040503050406030204" pitchFamily="18" charset="0"/>
-                                </a:rPr>
-                                <m:t>0</m:t>
-                              </m:r>
-                            </m:sub>
-                            <m:sup>
-                              <m:r>
-                                <a:rPr lang="en-AU" sz="3200" b="0" i="1" smtClean="0">
-                                  <a:latin typeface="Cambria Math" panose="02040503050406030204" pitchFamily="18" charset="0"/>
-                                </a:rPr>
-                                <m:t>𝜔</m:t>
-                              </m:r>
-                            </m:sup>
-                            <m:e>
-                              <m:acc>
-                                <m:accPr>
-                                  <m:chr m:val="̅"/>
-                                  <m:ctrlPr>
-                                    <a:rPr lang="en-AU" sz="3200" b="0" i="1" smtClean="0">
-                                      <a:latin typeface="Cambria Math" panose="02040503050406030204" pitchFamily="18" charset="0"/>
-                                    </a:rPr>
-                                  </m:ctrlPr>
-                                </m:accPr>
-                                <m:e>
-                                  <m:r>
-                                    <a:rPr lang="en-AU" sz="3200" b="0" i="1" smtClean="0">
-                                      <a:latin typeface="Cambria Math" panose="02040503050406030204" pitchFamily="18" charset="0"/>
-                                    </a:rPr>
-                                    <m:t>𝑥</m:t>
-                                  </m:r>
-                                </m:e>
-                              </m:acc>
-                              <m:sSub>
-                                <m:sSubPr>
-                                  <m:ctrlPr>
-                                    <a:rPr lang="en-AU" sz="3200" b="0" i="1" smtClean="0">
-                                      <a:latin typeface="Cambria Math" panose="02040503050406030204" pitchFamily="18" charset="0"/>
-                                    </a:rPr>
-                                  </m:ctrlPr>
-                                </m:sSubPr>
-                                <m:e>
-                                  <m:r>
-                                    <a:rPr lang="en-AU" sz="3200" b="0" i="1" smtClean="0">
-                                      <a:latin typeface="Cambria Math" panose="02040503050406030204" pitchFamily="18" charset="0"/>
-                                    </a:rPr>
-                                    <m:t>𝑑</m:t>
-                                  </m:r>
-                                </m:e>
-                                <m:sub>
-                                  <m:r>
-                                    <a:rPr lang="en-AU" sz="3200" b="0" i="1" smtClean="0">
-                                      <a:latin typeface="Cambria Math" panose="02040503050406030204" pitchFamily="18" charset="0"/>
-                                    </a:rPr>
-                                    <m:t>𝑥</m:t>
-                                  </m:r>
-                                </m:sub>
-                              </m:sSub>
-                              <m:r>
-                                <a:rPr lang="en-AU" sz="3200" b="0" i="1" smtClean="0">
-                                  <a:latin typeface="Cambria Math" panose="02040503050406030204" pitchFamily="18" charset="0"/>
-                                </a:rPr>
-                                <m:t> </m:t>
-                              </m:r>
-                              <m:r>
-                                <a:rPr lang="en-AU" sz="3200" b="0" i="1" smtClean="0">
-                                  <a:latin typeface="Cambria Math" panose="02040503050406030204" pitchFamily="18" charset="0"/>
-                                </a:rPr>
-                                <m:t>𝑑𝑥</m:t>
-                              </m:r>
-                            </m:e>
-                          </m:nary>
                         </m:e>
                       </m:nary>
                     </m:oMath>
@@ -4333,7 +4325,7 @@
             </p:nvSpPr>
             <p:spPr>
               <a:xfrm>
-                <a:off x="2258568" y="829754"/>
+                <a:off x="-255781" y="784514"/>
                 <a:ext cx="4974336" cy="1159485"/>
               </a:xfrm>
               <a:prstGeom prst="rect">
@@ -4342,7 +4334,7 @@
               <a:blipFill>
                 <a:blip r:embed="rId3"/>
                 <a:stretch>
-                  <a:fillRect l="-14796" t="-172826" r="-255" b="-254348"/>
+                  <a:fillRect/>
                 </a:stretch>
               </a:blipFill>
             </p:spPr>
@@ -4351,7 +4343,7 @@
               <a:lstStyle/>
               <a:p>
                 <a:r>
-                  <a:rPr lang="en-US">
+                  <a:rPr lang="en-AU">
                     <a:noFill/>
                   </a:rPr>
                   <a:t> </a:t>
@@ -4371,7 +4363,7 @@
             </p:nvSpPr>
             <p:spPr>
               <a:xfrm>
-                <a:off x="2258568" y="2387879"/>
+                <a:off x="731771" y="2392153"/>
                 <a:ext cx="3986784" cy="1159485"/>
               </a:xfrm>
               <a:prstGeom prst="rect">
@@ -4527,7 +4519,7 @@
             </p:nvSpPr>
             <p:spPr>
               <a:xfrm>
-                <a:off x="2258568" y="2387879"/>
+                <a:off x="731771" y="2392153"/>
                 <a:ext cx="3986784" cy="1159485"/>
               </a:xfrm>
               <a:prstGeom prst="rect">
@@ -4536,7 +4528,7 @@
               <a:blipFill>
                 <a:blip r:embed="rId4"/>
                 <a:stretch>
-                  <a:fillRect t="-172826" r="-635" b="-253261"/>
+                  <a:fillRect/>
                 </a:stretch>
               </a:blipFill>
             </p:spPr>
@@ -4545,7 +4537,7 @@
               <a:lstStyle/>
               <a:p>
                 <a:r>
-                  <a:rPr lang="en-US">
+                  <a:rPr lang="en-AU">
                     <a:noFill/>
                   </a:rPr>
                   <a:t> </a:t>
@@ -4565,7 +4557,7 @@
             </p:nvSpPr>
             <p:spPr>
               <a:xfrm>
-                <a:off x="2258568" y="4180988"/>
+                <a:off x="4584331" y="4231274"/>
                 <a:ext cx="5614416" cy="606384"/>
               </a:xfrm>
               <a:prstGeom prst="rect">
@@ -4793,7 +4785,7 @@
             </p:nvSpPr>
             <p:spPr>
               <a:xfrm>
-                <a:off x="2258568" y="4180988"/>
+                <a:off x="4584331" y="4231274"/>
                 <a:ext cx="5614416" cy="606384"/>
               </a:xfrm>
               <a:prstGeom prst="rect">
@@ -4802,7 +4794,7 @@
               <a:blipFill>
                 <a:blip r:embed="rId5"/>
                 <a:stretch>
-                  <a:fillRect b="-20833"/>
+                  <a:fillRect/>
                 </a:stretch>
               </a:blipFill>
             </p:spPr>
@@ -4811,7 +4803,7 @@
               <a:lstStyle/>
               <a:p>
                 <a:r>
-                  <a:rPr lang="en-US">
+                  <a:rPr lang="en-AU">
                     <a:noFill/>
                   </a:rPr>
                   <a:t> </a:t>
@@ -4829,7 +4821,7 @@
         </p:nvSpPr>
         <p:spPr>
           <a:xfrm>
-            <a:off x="2593466" y="5186012"/>
+            <a:off x="4584331" y="5011460"/>
             <a:ext cx="8266176" cy="1077218"/>
           </a:xfrm>
           <a:prstGeom prst="rect">
@@ -4844,10 +4836,17 @@
           <a:lstStyle/>
           <a:p>
             <a:r>
-              <a:rPr lang="en-AU" sz="3200"/>
-              <a:t>Gompertz-Makeham Model</a:t>
-            </a:r>
-            <a:endParaRPr lang="en-AU" sz="3200" dirty="0"/>
+              <a:rPr lang="en-AU" sz="3200" dirty="0"/>
+              <a:t>Gompertz-</a:t>
+            </a:r>
+            <a:r>
+              <a:rPr lang="en-AU" sz="3200" dirty="0" err="1"/>
+              <a:t>Makeham</a:t>
+            </a:r>
+            <a:r>
+              <a:rPr lang="en-AU" sz="3200" dirty="0"/>
+              <a:t> Model</a:t>
+            </a:r>
           </a:p>
           <a:p>
             <a:r>
@@ -4857,60 +4856,29 @@
           </a:p>
         </p:txBody>
       </p:sp>
-      <p:sp>
-        <p:nvSpPr>
-          <p:cNvPr id="3" name="Rectangle 2">
-            <a:extLst>
-              <a:ext uri="{FF2B5EF4-FFF2-40B4-BE49-F238E27FC236}">
-                <a16:creationId xmlns:a16="http://schemas.microsoft.com/office/drawing/2014/main" id="{27D3CB95-170C-B5BB-52BA-C0958FB6DAC1}"/>
-              </a:ext>
-            </a:extLst>
-          </p:cNvPr>
-          <p:cNvSpPr/>
+      <p:pic>
+        <p:nvPicPr>
+          <p:cNvPr id="7" name="Picture 6"/>
+          <p:cNvPicPr>
+            <a:picLocks noChangeAspect="1"/>
+          </p:cNvPicPr>
           <p:nvPr/>
-        </p:nvSpPr>
+        </p:nvPicPr>
+        <p:blipFill rotWithShape="1">
+          <a:blip r:embed="rId6"/>
+          <a:srcRect t="2059"/>
+          <a:stretch/>
+        </p:blipFill>
         <p:spPr>
           <a:xfrm>
-            <a:off x="4897754" y="377605"/>
-            <a:ext cx="2508484" cy="1828800"/>
+            <a:off x="5327009" y="562062"/>
+            <a:ext cx="6017547" cy="3422920"/>
           </a:xfrm>
           <a:prstGeom prst="rect">
             <a:avLst/>
           </a:prstGeom>
-          <a:solidFill>
-            <a:schemeClr val="bg1"/>
-          </a:solidFill>
-          <a:ln>
-            <a:solidFill>
-              <a:schemeClr val="bg1"/>
-            </a:solidFill>
-          </a:ln>
         </p:spPr>
-        <p:style>
-          <a:lnRef idx="2">
-            <a:schemeClr val="accent1">
-              <a:shade val="50000"/>
-            </a:schemeClr>
-          </a:lnRef>
-          <a:fillRef idx="1">
-            <a:schemeClr val="accent1"/>
-          </a:fillRef>
-          <a:effectRef idx="0">
-            <a:schemeClr val="accent1"/>
-          </a:effectRef>
-          <a:fontRef idx="minor">
-            <a:schemeClr val="lt1"/>
-          </a:fontRef>
-        </p:style>
-        <p:txBody>
-          <a:bodyPr rtlCol="0" anchor="ctr"/>
-          <a:lstStyle/>
-          <a:p>
-            <a:pPr algn="ctr"/>
-            <a:endParaRPr lang="en-US"/>
-          </a:p>
-        </p:txBody>
-      </p:sp>
+      </p:pic>
     </p:spTree>
     <p:extLst>
       <p:ext uri="{BB962C8B-B14F-4D97-AF65-F5344CB8AC3E}">
@@ -5359,41 +5327,41 @@
           <a:p>
             <a:r>
               <a:rPr lang="en-AU" sz="3200" dirty="0"/>
-              <a:t>Mid-year smoothed population counts and </a:t>
-            </a:r>
-            <a:r>
-              <a:rPr lang="en-AU" sz="3200"/>
-              <a:t>deaths number from age 30 to age 100 from CDC Wonder database, </a:t>
+              <a:t>Mid-year smoothed population counts and deaths number from age 30 to age 100 from CDC Wonder database, and the use of the </a:t>
+            </a:r>
+            <a:r>
+              <a:rPr lang="en-AU" sz="3200" dirty="0" smtClean="0"/>
+              <a:t>decomposition with </a:t>
+            </a:r>
+            <a:r>
+              <a:rPr lang="en-AU" sz="3200" dirty="0" err="1"/>
+              <a:t>Gompartz-Makeham</a:t>
             </a:r>
             <a:r>
               <a:rPr lang="en-AU" sz="3200" dirty="0"/>
-              <a:t>and the use </a:t>
-            </a:r>
-            <a:r>
-              <a:rPr lang="en-AU" sz="3200"/>
-              <a:t>of the  decomposition using Gompartz-Makeham Model</a:t>
+              <a:t> Model</a:t>
             </a:r>
           </a:p>
         </p:txBody>
       </p:sp>
       <p:pic>
         <p:nvPicPr>
-          <p:cNvPr id="2" name="Picture 1"/>
+          <p:cNvPr id="3" name="Picture 2"/>
           <p:cNvPicPr>
             <a:picLocks noChangeAspect="1"/>
           </p:cNvPicPr>
           <p:nvPr/>
         </p:nvPicPr>
         <p:blipFill>
-          <a:blip r:embed="rId2"/>
+          <a:blip r:embed="rId3"/>
           <a:stretch>
             <a:fillRect/>
           </a:stretch>
         </p:blipFill>
         <p:spPr>
           <a:xfrm>
-            <a:off x="1806181" y="4382420"/>
-            <a:ext cx="8579637" cy="2333520"/>
+            <a:off x="1451295" y="4195012"/>
+            <a:ext cx="8418897" cy="2486992"/>
           </a:xfrm>
           <a:prstGeom prst="rect">
             <a:avLst/>
@@ -6793,9 +6761,12 @@
 </file>
 
 <file path=customXml/item1.xml><?xml version="1.0" encoding="utf-8"?>
-<p:properties xmlns:p="http://schemas.microsoft.com/office/2006/metadata/properties" xmlns:xsi="http://www.w3.org/2001/XMLSchema-instance" xmlns:pc="http://schemas.microsoft.com/office/infopath/2007/PartnerControls">
-  <documentManagement/>
-</p:properties>
+<?mso-contentType ?>
+<FormTemplates xmlns="http://schemas.microsoft.com/sharepoint/v3/contenttype/forms">
+  <Display>DocumentLibraryForm</Display>
+  <Edit>DocumentLibraryForm</Edit>
+  <New>DocumentLibraryForm</New>
+</FormTemplates>
 </file>
 
 <file path=customXml/item2.xml><?xml version="1.0" encoding="utf-8"?>
@@ -7028,19 +6999,15 @@
 </file>
 
 <file path=customXml/item3.xml><?xml version="1.0" encoding="utf-8"?>
-<?mso-contentType ?>
-<FormTemplates xmlns="http://schemas.microsoft.com/sharepoint/v3/contenttype/forms">
-  <Display>DocumentLibraryForm</Display>
-  <Edit>DocumentLibraryForm</Edit>
-  <New>DocumentLibraryForm</New>
-</FormTemplates>
+<p:properties xmlns:p="http://schemas.microsoft.com/office/2006/metadata/properties" xmlns:xsi="http://www.w3.org/2001/XMLSchema-instance" xmlns:pc="http://schemas.microsoft.com/office/infopath/2007/PartnerControls">
+  <documentManagement/>
+</p:properties>
 </file>
 
 <file path=customXml/itemProps1.xml><?xml version="1.0" encoding="utf-8"?>
-<ds:datastoreItem xmlns:ds="http://schemas.openxmlformats.org/officeDocument/2006/customXml" ds:itemID="{4B6F0C34-6479-44C8-AEF6-48F52AA91938}">
+<ds:datastoreItem xmlns:ds="http://schemas.openxmlformats.org/officeDocument/2006/customXml" ds:itemID="{F81EA400-E582-420A-811E-F0629C6E4CEF}">
   <ds:schemaRefs>
-    <ds:schemaRef ds:uri="http://schemas.microsoft.com/office/2006/metadata/properties"/>
-    <ds:schemaRef ds:uri="http://www.w3.org/2000/xmlns/"/>
+    <ds:schemaRef ds:uri="http://schemas.microsoft.com/sharepoint/v3/contenttype/forms"/>
   </ds:schemaRefs>
 </ds:datastoreItem>
 </file>
@@ -7054,14 +7021,30 @@
     <ds:schemaRef ds:uri="http://www.w3.org/2001/XMLSchema"/>
     <ds:schemaRef ds:uri="73f003a7-629a-4f02-8555-ef0b17be2ef2"/>
     <ds:schemaRef ds:uri="8aaeb60a-409c-4bd1-81ca-349a8d94c5f6"/>
+    <ds:schemaRef ds:uri="http://schemas.microsoft.com/office/2006/metadata/properties"/>
+    <ds:schemaRef ds:uri="http://schemas.microsoft.com/office/2006/documentManagement/types"/>
+    <ds:schemaRef ds:uri="http://schemas.microsoft.com/office/infopath/2007/PartnerControls"/>
+    <ds:schemaRef ds:uri="http://schemas.openxmlformats.org/package/2006/metadata/core-properties"/>
+    <ds:schemaRef ds:uri="http://purl.org/dc/elements/1.1/"/>
+    <ds:schemaRef ds:uri="http://purl.org/dc/terms/"/>
+    <ds:schemaRef ds:uri="http://schemas.microsoft.com/internal/obd"/>
   </ds:schemaRefs>
 </ds:datastoreItem>
 </file>
 
 <file path=customXml/itemProps3.xml><?xml version="1.0" encoding="utf-8"?>
-<ds:datastoreItem xmlns:ds="http://schemas.openxmlformats.org/officeDocument/2006/customXml" ds:itemID="{F81EA400-E582-420A-811E-F0629C6E4CEF}">
+<ds:datastoreItem xmlns:ds="http://schemas.openxmlformats.org/officeDocument/2006/customXml" ds:itemID="{4B6F0C34-6479-44C8-AEF6-48F52AA91938}">
   <ds:schemaRefs>
-    <ds:schemaRef ds:uri="http://schemas.microsoft.com/sharepoint/v3/contenttype/forms"/>
+    <ds:schemaRef ds:uri="http://purl.org/dc/elements/1.1/"/>
+    <ds:schemaRef ds:uri="http://schemas.microsoft.com/office/2006/metadata/properties"/>
+    <ds:schemaRef ds:uri="8aaeb60a-409c-4bd1-81ca-349a8d94c5f6"/>
+    <ds:schemaRef ds:uri="http://schemas.microsoft.com/office/2006/documentManagement/types"/>
+    <ds:schemaRef ds:uri="http://purl.org/dc/terms/"/>
+    <ds:schemaRef ds:uri="73f003a7-629a-4f02-8555-ef0b17be2ef2"/>
+    <ds:schemaRef ds:uri="http://purl.org/dc/dcmitype/"/>
+    <ds:schemaRef ds:uri="http://schemas.microsoft.com/office/infopath/2007/PartnerControls"/>
+    <ds:schemaRef ds:uri="http://schemas.openxmlformats.org/package/2006/metadata/core-properties"/>
+    <ds:schemaRef ds:uri="http://www.w3.org/XML/1998/namespace"/>
   </ds:schemaRefs>
 </ds:datastoreItem>
 </file>
--- a/What Changes in Life expectancy reveals about US.pptx
+++ b/What Changes in Life expectancy reveals about US.pptx
@@ -389,7 +389,7 @@
           <a:p>
             <a:fld id="{738373FB-123C-4991-9852-83FDD59CC9FA}" type="datetimeFigureOut">
               <a:rPr lang="en-AU" smtClean="0"/>
-              <a:t>11/10/2022</a:t>
+              <a:t>12/10/2022</a:t>
             </a:fld>
             <a:endParaRPr lang="en-AU"/>
           </a:p>
@@ -1162,7 +1162,7 @@
           <a:p>
             <a:fld id="{CBA96FD4-09ED-416D-B4DD-B5C8FAC89030}" type="datetimeFigureOut">
               <a:rPr lang="en-AU" smtClean="0"/>
-              <a:t>11/10/2022</a:t>
+              <a:t>12/10/2022</a:t>
             </a:fld>
             <a:endParaRPr lang="en-AU"/>
           </a:p>
@@ -1332,7 +1332,7 @@
           <a:p>
             <a:fld id="{CBA96FD4-09ED-416D-B4DD-B5C8FAC89030}" type="datetimeFigureOut">
               <a:rPr lang="en-AU" smtClean="0"/>
-              <a:t>11/10/2022</a:t>
+              <a:t>12/10/2022</a:t>
             </a:fld>
             <a:endParaRPr lang="en-AU"/>
           </a:p>
@@ -1512,7 +1512,7 @@
           <a:p>
             <a:fld id="{CBA96FD4-09ED-416D-B4DD-B5C8FAC89030}" type="datetimeFigureOut">
               <a:rPr lang="en-AU" smtClean="0"/>
-              <a:t>11/10/2022</a:t>
+              <a:t>12/10/2022</a:t>
             </a:fld>
             <a:endParaRPr lang="en-AU"/>
           </a:p>
@@ -1682,7 +1682,7 @@
           <a:p>
             <a:fld id="{CBA96FD4-09ED-416D-B4DD-B5C8FAC89030}" type="datetimeFigureOut">
               <a:rPr lang="en-AU" smtClean="0"/>
-              <a:t>11/10/2022</a:t>
+              <a:t>12/10/2022</a:t>
             </a:fld>
             <a:endParaRPr lang="en-AU"/>
           </a:p>
@@ -1928,7 +1928,7 @@
           <a:p>
             <a:fld id="{CBA96FD4-09ED-416D-B4DD-B5C8FAC89030}" type="datetimeFigureOut">
               <a:rPr lang="en-AU" smtClean="0"/>
-              <a:t>11/10/2022</a:t>
+              <a:t>12/10/2022</a:t>
             </a:fld>
             <a:endParaRPr lang="en-AU"/>
           </a:p>
@@ -2160,7 +2160,7 @@
           <a:p>
             <a:fld id="{CBA96FD4-09ED-416D-B4DD-B5C8FAC89030}" type="datetimeFigureOut">
               <a:rPr lang="en-AU" smtClean="0"/>
-              <a:t>11/10/2022</a:t>
+              <a:t>12/10/2022</a:t>
             </a:fld>
             <a:endParaRPr lang="en-AU"/>
           </a:p>
@@ -2527,7 +2527,7 @@
           <a:p>
             <a:fld id="{CBA96FD4-09ED-416D-B4DD-B5C8FAC89030}" type="datetimeFigureOut">
               <a:rPr lang="en-AU" smtClean="0"/>
-              <a:t>11/10/2022</a:t>
+              <a:t>12/10/2022</a:t>
             </a:fld>
             <a:endParaRPr lang="en-AU"/>
           </a:p>
@@ -2645,7 +2645,7 @@
           <a:p>
             <a:fld id="{CBA96FD4-09ED-416D-B4DD-B5C8FAC89030}" type="datetimeFigureOut">
               <a:rPr lang="en-AU" smtClean="0"/>
-              <a:t>11/10/2022</a:t>
+              <a:t>12/10/2022</a:t>
             </a:fld>
             <a:endParaRPr lang="en-AU"/>
           </a:p>
@@ -2740,7 +2740,7 @@
           <a:p>
             <a:fld id="{CBA96FD4-09ED-416D-B4DD-B5C8FAC89030}" type="datetimeFigureOut">
               <a:rPr lang="en-AU" smtClean="0"/>
-              <a:t>11/10/2022</a:t>
+              <a:t>12/10/2022</a:t>
             </a:fld>
             <a:endParaRPr lang="en-AU"/>
           </a:p>
@@ -3017,7 +3017,7 @@
           <a:p>
             <a:fld id="{CBA96FD4-09ED-416D-B4DD-B5C8FAC89030}" type="datetimeFigureOut">
               <a:rPr lang="en-AU" smtClean="0"/>
-              <a:t>11/10/2022</a:t>
+              <a:t>12/10/2022</a:t>
             </a:fld>
             <a:endParaRPr lang="en-AU"/>
           </a:p>
@@ -3270,7 +3270,7 @@
           <a:p>
             <a:fld id="{CBA96FD4-09ED-416D-B4DD-B5C8FAC89030}" type="datetimeFigureOut">
               <a:rPr lang="en-AU" smtClean="0"/>
-              <a:t>11/10/2022</a:t>
+              <a:t>12/10/2022</a:t>
             </a:fld>
             <a:endParaRPr lang="en-AU"/>
           </a:p>
@@ -3483,7 +3483,7 @@
           <a:p>
             <a:fld id="{CBA96FD4-09ED-416D-B4DD-B5C8FAC89030}" type="datetimeFigureOut">
               <a:rPr lang="en-AU" smtClean="0"/>
-              <a:t>11/10/2022</a:t>
+              <a:t>12/10/2022</a:t>
             </a:fld>
             <a:endParaRPr lang="en-AU"/>
           </a:p>
@@ -4053,30 +4053,6 @@
           </a:p>
         </p:txBody>
       </p:sp>
-      <p:pic>
-        <p:nvPicPr>
-          <p:cNvPr id="7" name="Picture 6"/>
-          <p:cNvPicPr>
-            <a:picLocks noChangeAspect="1"/>
-          </p:cNvPicPr>
-          <p:nvPr/>
-        </p:nvPicPr>
-        <p:blipFill>
-          <a:blip r:embed="rId2"/>
-          <a:stretch>
-            <a:fillRect/>
-          </a:stretch>
-        </p:blipFill>
-        <p:spPr>
-          <a:xfrm>
-            <a:off x="3346703" y="2365075"/>
-            <a:ext cx="6743987" cy="4403426"/>
-          </a:xfrm>
-          <a:prstGeom prst="rect">
-            <a:avLst/>
-          </a:prstGeom>
-        </p:spPr>
-      </p:pic>
       <p:sp>
         <p:nvSpPr>
           <p:cNvPr id="4" name="TextBox 3"/>
@@ -4085,7 +4061,7 @@
         </p:nvSpPr>
         <p:spPr>
           <a:xfrm>
-            <a:off x="479709" y="1060628"/>
+            <a:off x="479709" y="2395158"/>
             <a:ext cx="10390632" cy="1815882"/>
           </a:xfrm>
           <a:prstGeom prst="rect">
@@ -4180,8 +4156,8 @@
           <a:chExt cx="0" cy="0"/>
         </a:xfrm>
       </p:grpSpPr>
-      <mc:AlternateContent xmlns:mc="http://schemas.openxmlformats.org/markup-compatibility/2006">
-        <mc:Choice xmlns:a14="http://schemas.microsoft.com/office/drawing/2010/main" Requires="a14">
+      <mc:AlternateContent xmlns:mc="http://schemas.openxmlformats.org/markup-compatibility/2006" xmlns:a14="http://schemas.microsoft.com/office/drawing/2010/main">
+        <mc:Choice Requires="a14">
           <p:sp>
             <p:nvSpPr>
               <p:cNvPr id="5" name="TextBox 4"/>
@@ -4314,7 +4290,7 @@
             </p:txBody>
           </p:sp>
         </mc:Choice>
-        <mc:Fallback>
+        <mc:Fallback xmlns="">
           <p:sp>
             <p:nvSpPr>
               <p:cNvPr id="5" name="TextBox 4"/>
@@ -4353,8 +4329,8 @@
           </p:sp>
         </mc:Fallback>
       </mc:AlternateContent>
-      <mc:AlternateContent xmlns:mc="http://schemas.openxmlformats.org/markup-compatibility/2006">
-        <mc:Choice xmlns:a14="http://schemas.microsoft.com/office/drawing/2010/main" Requires="a14">
+      <mc:AlternateContent xmlns:mc="http://schemas.openxmlformats.org/markup-compatibility/2006" xmlns:a14="http://schemas.microsoft.com/office/drawing/2010/main">
+        <mc:Choice Requires="a14">
           <p:sp>
             <p:nvSpPr>
               <p:cNvPr id="6" name="TextBox 5"/>
@@ -4508,7 +4484,7 @@
             </p:txBody>
           </p:sp>
         </mc:Choice>
-        <mc:Fallback>
+        <mc:Fallback xmlns="">
           <p:sp>
             <p:nvSpPr>
               <p:cNvPr id="6" name="TextBox 5"/>
@@ -4547,8 +4523,8 @@
           </p:sp>
         </mc:Fallback>
       </mc:AlternateContent>
-      <mc:AlternateContent xmlns:mc="http://schemas.openxmlformats.org/markup-compatibility/2006">
-        <mc:Choice xmlns:a14="http://schemas.microsoft.com/office/drawing/2010/main" Requires="a14">
+      <mc:AlternateContent xmlns:mc="http://schemas.openxmlformats.org/markup-compatibility/2006" xmlns:a14="http://schemas.microsoft.com/office/drawing/2010/main">
+        <mc:Choice Requires="a14">
           <p:sp>
             <p:nvSpPr>
               <p:cNvPr id="18" name="TextBox 17"/>
@@ -4774,7 +4750,7 @@
             </p:txBody>
           </p:sp>
         </mc:Choice>
-        <mc:Fallback>
+        <mc:Fallback xmlns="">
           <p:sp>
             <p:nvSpPr>
               <p:cNvPr id="18" name="TextBox 17"/>
@@ -5073,8 +5049,8 @@
         </p:blipFill>
         <p:spPr>
           <a:xfrm>
-            <a:off x="1278283" y="86678"/>
-            <a:ext cx="8996759" cy="6771322"/>
+            <a:off x="0" y="753762"/>
+            <a:ext cx="7323957" cy="5512304"/>
           </a:xfrm>
           <a:prstGeom prst="rect">
             <a:avLst/>
@@ -5089,8 +5065,8 @@
         </p:nvSpPr>
         <p:spPr>
           <a:xfrm>
-            <a:off x="9250444" y="1200055"/>
-            <a:ext cx="1024598" cy="4544568"/>
+            <a:off x="6489998" y="1334530"/>
+            <a:ext cx="859386" cy="3928180"/>
           </a:xfrm>
           <a:prstGeom prst="ellipse">
             <a:avLst/>
@@ -5135,7 +5111,7 @@
         </p:nvSpPr>
         <p:spPr>
           <a:xfrm>
-            <a:off x="8378717" y="6116645"/>
+            <a:off x="4053853" y="6213746"/>
             <a:ext cx="3813283" cy="369332"/>
           </a:xfrm>
           <a:prstGeom prst="rect">
@@ -5156,6 +5132,30 @@
           </a:p>
         </p:txBody>
       </p:sp>
+      <p:pic>
+        <p:nvPicPr>
+          <p:cNvPr id="6" name="Picture 5"/>
+          <p:cNvPicPr>
+            <a:picLocks noChangeAspect="1"/>
+          </p:cNvPicPr>
+          <p:nvPr/>
+        </p:nvPicPr>
+        <p:blipFill>
+          <a:blip r:embed="rId3"/>
+          <a:stretch>
+            <a:fillRect/>
+          </a:stretch>
+        </p:blipFill>
+        <p:spPr>
+          <a:xfrm>
+            <a:off x="7349384" y="1815214"/>
+            <a:ext cx="4543767" cy="2966812"/>
+          </a:xfrm>
+          <a:prstGeom prst="rect">
+            <a:avLst/>
+          </a:prstGeom>
+        </p:spPr>
+      </p:pic>
     </p:spTree>
     <p:extLst>
       <p:ext uri="{BB962C8B-B14F-4D97-AF65-F5344CB8AC3E}">
@@ -5575,7 +5575,7 @@
           <p:nvPr>
             <p:extLst>
               <p:ext uri="{D42A27DB-BD31-4B8C-83A1-F6EECF244321}">
-                <p14:modId xmlns:p14="http://schemas.microsoft.com/office/powerpoint/2010/main" val="3347085146"/>
+                <p14:modId xmlns:p14="http://schemas.microsoft.com/office/powerpoint/2010/main" val="101855491"/>
               </p:ext>
             </p:extLst>
           </p:nvPr>
@@ -5673,8 +5673,8 @@
                     <a:lstStyle/>
                     <a:p>
                       <a:r>
-                        <a:rPr lang="en-AU" sz="3200"/>
-                        <a:t>database</a:t>
+                        <a:rPr lang="en-AU" sz="3200" dirty="0" smtClean="0"/>
+                        <a:t>Shift</a:t>
                       </a:r>
                       <a:endParaRPr lang="en-AU" sz="3200" dirty="0"/>
                     </a:p>
@@ -6235,6 +6235,13 @@
   <p:clrMapOvr>
     <a:masterClrMapping/>
   </p:clrMapOvr>
+  <p:timing>
+    <p:tnLst>
+      <p:par>
+        <p:cTn id="1" dur="indefinite" restart="never" nodeType="tmRoot"/>
+      </p:par>
+    </p:tnLst>
+  </p:timing>
 </p:sld>
 </file>
 
@@ -6761,12 +6768,9 @@
 </file>
 
 <file path=customXml/item1.xml><?xml version="1.0" encoding="utf-8"?>
-<?mso-contentType ?>
-<FormTemplates xmlns="http://schemas.microsoft.com/sharepoint/v3/contenttype/forms">
-  <Display>DocumentLibraryForm</Display>
-  <Edit>DocumentLibraryForm</Edit>
-  <New>DocumentLibraryForm</New>
-</FormTemplates>
+<p:properties xmlns:p="http://schemas.microsoft.com/office/2006/metadata/properties" xmlns:xsi="http://www.w3.org/2001/XMLSchema-instance" xmlns:pc="http://schemas.microsoft.com/office/infopath/2007/PartnerControls">
+  <documentManagement/>
+</p:properties>
 </file>
 
 <file path=customXml/item2.xml><?xml version="1.0" encoding="utf-8"?>
@@ -6999,15 +7003,27 @@
 </file>
 
 <file path=customXml/item3.xml><?xml version="1.0" encoding="utf-8"?>
-<p:properties xmlns:p="http://schemas.microsoft.com/office/2006/metadata/properties" xmlns:xsi="http://www.w3.org/2001/XMLSchema-instance" xmlns:pc="http://schemas.microsoft.com/office/infopath/2007/PartnerControls">
-  <documentManagement/>
-</p:properties>
+<?mso-contentType ?>
+<FormTemplates xmlns="http://schemas.microsoft.com/sharepoint/v3/contenttype/forms">
+  <Display>DocumentLibraryForm</Display>
+  <Edit>DocumentLibraryForm</Edit>
+  <New>DocumentLibraryForm</New>
+</FormTemplates>
 </file>
 
 <file path=customXml/itemProps1.xml><?xml version="1.0" encoding="utf-8"?>
-<ds:datastoreItem xmlns:ds="http://schemas.openxmlformats.org/officeDocument/2006/customXml" ds:itemID="{F81EA400-E582-420A-811E-F0629C6E4CEF}">
+<ds:datastoreItem xmlns:ds="http://schemas.openxmlformats.org/officeDocument/2006/customXml" ds:itemID="{4B6F0C34-6479-44C8-AEF6-48F52AA91938}">
   <ds:schemaRefs>
-    <ds:schemaRef ds:uri="http://schemas.microsoft.com/sharepoint/v3/contenttype/forms"/>
+    <ds:schemaRef ds:uri="http://schemas.microsoft.com/office/2006/documentManagement/types"/>
+    <ds:schemaRef ds:uri="http://schemas.microsoft.com/office/infopath/2007/PartnerControls"/>
+    <ds:schemaRef ds:uri="http://purl.org/dc/elements/1.1/"/>
+    <ds:schemaRef ds:uri="http://schemas.microsoft.com/office/2006/metadata/properties"/>
+    <ds:schemaRef ds:uri="8aaeb60a-409c-4bd1-81ca-349a8d94c5f6"/>
+    <ds:schemaRef ds:uri="http://purl.org/dc/terms/"/>
+    <ds:schemaRef ds:uri="73f003a7-629a-4f02-8555-ef0b17be2ef2"/>
+    <ds:schemaRef ds:uri="http://schemas.openxmlformats.org/package/2006/metadata/core-properties"/>
+    <ds:schemaRef ds:uri="http://www.w3.org/XML/1998/namespace"/>
+    <ds:schemaRef ds:uri="http://purl.org/dc/dcmitype/"/>
   </ds:schemaRefs>
 </ds:datastoreItem>
 </file>
@@ -7033,18 +7049,9 @@
 </file>
 
 <file path=customXml/itemProps3.xml><?xml version="1.0" encoding="utf-8"?>
-<ds:datastoreItem xmlns:ds="http://schemas.openxmlformats.org/officeDocument/2006/customXml" ds:itemID="{4B6F0C34-6479-44C8-AEF6-48F52AA91938}">
+<ds:datastoreItem xmlns:ds="http://schemas.openxmlformats.org/officeDocument/2006/customXml" ds:itemID="{F81EA400-E582-420A-811E-F0629C6E4CEF}">
   <ds:schemaRefs>
-    <ds:schemaRef ds:uri="http://purl.org/dc/elements/1.1/"/>
-    <ds:schemaRef ds:uri="http://schemas.microsoft.com/office/2006/metadata/properties"/>
-    <ds:schemaRef ds:uri="8aaeb60a-409c-4bd1-81ca-349a8d94c5f6"/>
-    <ds:schemaRef ds:uri="http://schemas.microsoft.com/office/2006/documentManagement/types"/>
-    <ds:schemaRef ds:uri="http://purl.org/dc/terms/"/>
-    <ds:schemaRef ds:uri="73f003a7-629a-4f02-8555-ef0b17be2ef2"/>
-    <ds:schemaRef ds:uri="http://purl.org/dc/dcmitype/"/>
-    <ds:schemaRef ds:uri="http://schemas.microsoft.com/office/infopath/2007/PartnerControls"/>
-    <ds:schemaRef ds:uri="http://schemas.openxmlformats.org/package/2006/metadata/core-properties"/>
-    <ds:schemaRef ds:uri="http://www.w3.org/XML/1998/namespace"/>
+    <ds:schemaRef ds:uri="http://schemas.microsoft.com/sharepoint/v3/contenttype/forms"/>
   </ds:schemaRefs>
 </ds:datastoreItem>
 </file>